--- a/Anny_ke.pptx
+++ b/Anny_ke.pptx
@@ -10,9 +10,11 @@
     <p:sldId id="260" r:id="rId4"/>
     <p:sldId id="257" r:id="rId5"/>
     <p:sldId id="259" r:id="rId6"/>
-    <p:sldId id="263" r:id="rId7"/>
-    <p:sldId id="261" r:id="rId8"/>
-    <p:sldId id="262" r:id="rId9"/>
+    <p:sldId id="264" r:id="rId7"/>
+    <p:sldId id="263" r:id="rId8"/>
+    <p:sldId id="261" r:id="rId9"/>
+    <p:sldId id="262" r:id="rId10"/>
+    <p:sldId id="265" r:id="rId11"/>
   </p:sldIdLst>
   <p:sldSz cx="9144000" cy="6858000" type="screen4x3"/>
   <p:notesSz cx="6858000" cy="9144000"/>
@@ -7055,7 +7057,626 @@
             <p:ph type="title"/>
           </p:nvPr>
         </p:nvSpPr>
-        <p:spPr/>
+        <p:spPr>
+          <a:xfrm>
+            <a:off x="3707904" y="44624"/>
+            <a:ext cx="2664296" cy="1069514"/>
+          </a:xfrm>
+        </p:spPr>
+        <p:txBody>
+          <a:bodyPr/>
+          <a:lstStyle/>
+          <a:p>
+            <a:r>
+              <a:rPr lang="en-US" altLang="zh-TW" dirty="0" smtClean="0"/>
+              <a:t>MVC</a:t>
+            </a:r>
+            <a:r>
+              <a:rPr lang="zh-TW" altLang="en-US" dirty="0" smtClean="0"/>
+              <a:t>架構</a:t>
+            </a:r>
+            <a:endParaRPr lang="zh-TW" altLang="en-US" dirty="0"/>
+          </a:p>
+        </p:txBody>
+      </p:sp>
+      <p:sp>
+        <p:nvSpPr>
+          <p:cNvPr id="5" name="圓角矩形 4"/>
+          <p:cNvSpPr/>
+          <p:nvPr/>
+        </p:nvSpPr>
+        <p:spPr>
+          <a:xfrm>
+            <a:off x="4771839" y="2576178"/>
+            <a:ext cx="1905334" cy="1068846"/>
+          </a:xfrm>
+          <a:prstGeom prst="roundRect">
+            <a:avLst/>
+          </a:prstGeom>
+          <a:solidFill>
+            <a:schemeClr val="accent3">
+              <a:lumMod val="60000"/>
+              <a:lumOff val="40000"/>
+            </a:schemeClr>
+          </a:solidFill>
+        </p:spPr>
+        <p:style>
+          <a:lnRef idx="0">
+            <a:schemeClr val="accent3"/>
+          </a:lnRef>
+          <a:fillRef idx="3">
+            <a:schemeClr val="accent3"/>
+          </a:fillRef>
+          <a:effectRef idx="3">
+            <a:schemeClr val="accent3"/>
+          </a:effectRef>
+          <a:fontRef idx="minor">
+            <a:schemeClr val="lt1"/>
+          </a:fontRef>
+        </p:style>
+        <p:txBody>
+          <a:bodyPr rtlCol="0" anchor="ctr"/>
+          <a:lstStyle/>
+          <a:p>
+            <a:pPr algn="ctr"/>
+            <a:r>
+              <a:rPr lang="en-US" altLang="zh-TW" dirty="0" smtClean="0">
+                <a:solidFill>
+                  <a:schemeClr val="accent3">
+                    <a:lumMod val="50000"/>
+                  </a:schemeClr>
+                </a:solidFill>
+              </a:rPr>
+              <a:t>MODELS</a:t>
+            </a:r>
+            <a:endParaRPr lang="zh-TW" altLang="en-US" dirty="0">
+              <a:solidFill>
+                <a:schemeClr val="accent3">
+                  <a:lumMod val="50000"/>
+                </a:schemeClr>
+              </a:solidFill>
+            </a:endParaRPr>
+          </a:p>
+        </p:txBody>
+      </p:sp>
+      <p:sp>
+        <p:nvSpPr>
+          <p:cNvPr id="6" name="圓角矩形 5"/>
+          <p:cNvSpPr/>
+          <p:nvPr/>
+        </p:nvSpPr>
+        <p:spPr>
+          <a:xfrm>
+            <a:off x="4771839" y="1124744"/>
+            <a:ext cx="1905334" cy="1068846"/>
+          </a:xfrm>
+          <a:prstGeom prst="roundRect">
+            <a:avLst/>
+          </a:prstGeom>
+          <a:solidFill>
+            <a:schemeClr val="accent3">
+              <a:lumMod val="60000"/>
+              <a:lumOff val="40000"/>
+            </a:schemeClr>
+          </a:solidFill>
+        </p:spPr>
+        <p:style>
+          <a:lnRef idx="0">
+            <a:schemeClr val="accent3"/>
+          </a:lnRef>
+          <a:fillRef idx="3">
+            <a:schemeClr val="accent3"/>
+          </a:fillRef>
+          <a:effectRef idx="3">
+            <a:schemeClr val="accent3"/>
+          </a:effectRef>
+          <a:fontRef idx="minor">
+            <a:schemeClr val="lt1"/>
+          </a:fontRef>
+        </p:style>
+        <p:txBody>
+          <a:bodyPr rtlCol="0" anchor="ctr"/>
+          <a:lstStyle/>
+          <a:p>
+            <a:pPr algn="ctr"/>
+            <a:r>
+              <a:rPr lang="en-US" altLang="zh-TW" dirty="0" smtClean="0">
+                <a:solidFill>
+                  <a:schemeClr val="accent3">
+                    <a:lumMod val="50000"/>
+                  </a:schemeClr>
+                </a:solidFill>
+              </a:rPr>
+              <a:t>CONTROLLER</a:t>
+            </a:r>
+            <a:endParaRPr lang="zh-TW" altLang="en-US" dirty="0">
+              <a:solidFill>
+                <a:schemeClr val="accent3">
+                  <a:lumMod val="50000"/>
+                </a:schemeClr>
+              </a:solidFill>
+            </a:endParaRPr>
+          </a:p>
+        </p:txBody>
+      </p:sp>
+      <p:sp>
+        <p:nvSpPr>
+          <p:cNvPr id="7" name="圓角矩形 6"/>
+          <p:cNvSpPr/>
+          <p:nvPr/>
+        </p:nvSpPr>
+        <p:spPr>
+          <a:xfrm>
+            <a:off x="4771839" y="5157192"/>
+            <a:ext cx="1937704" cy="1087005"/>
+          </a:xfrm>
+          <a:prstGeom prst="roundRect">
+            <a:avLst/>
+          </a:prstGeom>
+          <a:solidFill>
+            <a:schemeClr val="accent3">
+              <a:lumMod val="60000"/>
+              <a:lumOff val="40000"/>
+            </a:schemeClr>
+          </a:solidFill>
+        </p:spPr>
+        <p:style>
+          <a:lnRef idx="0">
+            <a:schemeClr val="accent3"/>
+          </a:lnRef>
+          <a:fillRef idx="3">
+            <a:schemeClr val="accent3"/>
+          </a:fillRef>
+          <a:effectRef idx="3">
+            <a:schemeClr val="accent3"/>
+          </a:effectRef>
+          <a:fontRef idx="minor">
+            <a:schemeClr val="lt1"/>
+          </a:fontRef>
+        </p:style>
+        <p:txBody>
+          <a:bodyPr rtlCol="0" anchor="ctr"/>
+          <a:lstStyle/>
+          <a:p>
+            <a:pPr algn="ctr"/>
+            <a:r>
+              <a:rPr lang="en-US" altLang="zh-TW" dirty="0" smtClean="0">
+                <a:solidFill>
+                  <a:schemeClr val="accent3">
+                    <a:lumMod val="50000"/>
+                  </a:schemeClr>
+                </a:solidFill>
+              </a:rPr>
+              <a:t>VIEWS</a:t>
+            </a:r>
+            <a:endParaRPr lang="zh-TW" altLang="en-US" dirty="0">
+              <a:solidFill>
+                <a:schemeClr val="accent3">
+                  <a:lumMod val="50000"/>
+                </a:schemeClr>
+              </a:solidFill>
+            </a:endParaRPr>
+          </a:p>
+        </p:txBody>
+      </p:sp>
+      <p:pic>
+        <p:nvPicPr>
+          <p:cNvPr id="1026" name="Picture 2"/>
+          <p:cNvPicPr>
+            <a:picLocks noChangeAspect="1" noChangeArrowheads="1"/>
+          </p:cNvPicPr>
+          <p:nvPr/>
+        </p:nvPicPr>
+        <p:blipFill>
+          <a:blip r:embed="rId2">
+            <a:extLst>
+              <a:ext uri="{28A0092B-C50C-407E-A947-70E740481C1C}">
+                <a14:useLocalDpi xmlns:a14="http://schemas.microsoft.com/office/drawing/2010/main" val="0"/>
+              </a:ext>
+            </a:extLst>
+          </a:blip>
+          <a:srcRect/>
+          <a:stretch>
+            <a:fillRect/>
+          </a:stretch>
+        </p:blipFill>
+        <p:spPr bwMode="auto">
+          <a:xfrm>
+            <a:off x="1691680" y="597024"/>
+            <a:ext cx="1990725" cy="6096000"/>
+          </a:xfrm>
+          <a:prstGeom prst="rect">
+            <a:avLst/>
+          </a:prstGeom>
+          <a:noFill/>
+          <a:ln>
+            <a:noFill/>
+          </a:ln>
+          <a:effectLst/>
+          <a:extLst>
+            <a:ext uri="{909E8E84-426E-40DD-AFC4-6F175D3DCCD1}">
+              <a14:hiddenFill xmlns:a14="http://schemas.microsoft.com/office/drawing/2010/main">
+                <a:solidFill>
+                  <a:schemeClr val="accent1"/>
+                </a:solidFill>
+              </a14:hiddenFill>
+            </a:ext>
+            <a:ext uri="{91240B29-F687-4F45-9708-019B960494DF}">
+              <a14:hiddenLine xmlns:a14="http://schemas.microsoft.com/office/drawing/2010/main" w="9525">
+                <a:solidFill>
+                  <a:schemeClr val="tx1"/>
+                </a:solidFill>
+                <a:miter lim="800000"/>
+                <a:headEnd/>
+                <a:tailEnd/>
+              </a14:hiddenLine>
+            </a:ext>
+            <a:ext uri="{AF507438-7753-43E0-B8FC-AC1667EBCBE1}">
+              <a14:hiddenEffects xmlns:a14="http://schemas.microsoft.com/office/drawing/2010/main">
+                <a:effectLst>
+                  <a:outerShdw dist="35921" dir="2700000" algn="ctr" rotWithShape="0">
+                    <a:schemeClr val="bg2"/>
+                  </a:outerShdw>
+                </a:effectLst>
+              </a14:hiddenEffects>
+            </a:ext>
+          </a:extLst>
+        </p:spPr>
+      </p:pic>
+      <p:sp>
+        <p:nvSpPr>
+          <p:cNvPr id="9" name="向右箭號 8"/>
+          <p:cNvSpPr/>
+          <p:nvPr/>
+        </p:nvSpPr>
+        <p:spPr>
+          <a:xfrm>
+            <a:off x="3779912" y="1479147"/>
+            <a:ext cx="792088" cy="360040"/>
+          </a:xfrm>
+          <a:prstGeom prst="rightArrow">
+            <a:avLst/>
+          </a:prstGeom>
+        </p:spPr>
+        <p:style>
+          <a:lnRef idx="2">
+            <a:schemeClr val="accent2"/>
+          </a:lnRef>
+          <a:fillRef idx="1">
+            <a:schemeClr val="lt1"/>
+          </a:fillRef>
+          <a:effectRef idx="0">
+            <a:schemeClr val="accent2"/>
+          </a:effectRef>
+          <a:fontRef idx="minor">
+            <a:schemeClr val="dk1"/>
+          </a:fontRef>
+        </p:style>
+        <p:txBody>
+          <a:bodyPr rtlCol="0" anchor="ctr"/>
+          <a:lstStyle/>
+          <a:p>
+            <a:pPr algn="ctr"/>
+            <a:endParaRPr lang="zh-TW" altLang="en-US"/>
+          </a:p>
+        </p:txBody>
+      </p:sp>
+      <p:sp>
+        <p:nvSpPr>
+          <p:cNvPr id="13" name="向右箭號 12"/>
+          <p:cNvSpPr/>
+          <p:nvPr/>
+        </p:nvSpPr>
+        <p:spPr>
+          <a:xfrm>
+            <a:off x="3779912" y="2816932"/>
+            <a:ext cx="792088" cy="360040"/>
+          </a:xfrm>
+          <a:prstGeom prst="rightArrow">
+            <a:avLst/>
+          </a:prstGeom>
+        </p:spPr>
+        <p:style>
+          <a:lnRef idx="2">
+            <a:schemeClr val="accent2"/>
+          </a:lnRef>
+          <a:fillRef idx="1">
+            <a:schemeClr val="lt1"/>
+          </a:fillRef>
+          <a:effectRef idx="0">
+            <a:schemeClr val="accent2"/>
+          </a:effectRef>
+          <a:fontRef idx="minor">
+            <a:schemeClr val="dk1"/>
+          </a:fontRef>
+        </p:style>
+        <p:txBody>
+          <a:bodyPr rtlCol="0" anchor="ctr"/>
+          <a:lstStyle/>
+          <a:p>
+            <a:pPr algn="ctr"/>
+            <a:endParaRPr lang="zh-TW" altLang="en-US"/>
+          </a:p>
+        </p:txBody>
+      </p:sp>
+      <p:sp>
+        <p:nvSpPr>
+          <p:cNvPr id="14" name="向右箭號 13"/>
+          <p:cNvSpPr/>
+          <p:nvPr/>
+        </p:nvSpPr>
+        <p:spPr>
+          <a:xfrm>
+            <a:off x="3779912" y="5700694"/>
+            <a:ext cx="792088" cy="360040"/>
+          </a:xfrm>
+          <a:prstGeom prst="rightArrow">
+            <a:avLst/>
+          </a:prstGeom>
+        </p:spPr>
+        <p:style>
+          <a:lnRef idx="2">
+            <a:schemeClr val="accent2"/>
+          </a:lnRef>
+          <a:fillRef idx="1">
+            <a:schemeClr val="lt1"/>
+          </a:fillRef>
+          <a:effectRef idx="0">
+            <a:schemeClr val="accent2"/>
+          </a:effectRef>
+          <a:fontRef idx="minor">
+            <a:schemeClr val="dk1"/>
+          </a:fontRef>
+        </p:style>
+        <p:txBody>
+          <a:bodyPr rtlCol="0" anchor="ctr"/>
+          <a:lstStyle/>
+          <a:p>
+            <a:pPr algn="ctr"/>
+            <a:endParaRPr lang="zh-TW" altLang="en-US"/>
+          </a:p>
+        </p:txBody>
+      </p:sp>
+    </p:spTree>
+    <p:extLst>
+      <p:ext uri="{BB962C8B-B14F-4D97-AF65-F5344CB8AC3E}">
+        <p14:creationId xmlns:p14="http://schemas.microsoft.com/office/powerpoint/2010/main" val="3626279255"/>
+      </p:ext>
+    </p:extLst>
+  </p:cSld>
+  <p:clrMapOvr>
+    <a:masterClrMapping/>
+  </p:clrMapOvr>
+  <p:timing>
+    <p:tnLst>
+      <p:par>
+        <p:cTn id="1" dur="indefinite" restart="never" nodeType="tmRoot">
+          <p:childTnLst>
+            <p:seq concurrent="1" nextAc="seek">
+              <p:cTn id="2" dur="indefinite" nodeType="mainSeq">
+                <p:childTnLst>
+                  <p:par>
+                    <p:cTn id="3" fill="hold">
+                      <p:stCondLst>
+                        <p:cond delay="indefinite"/>
+                      </p:stCondLst>
+                      <p:childTnLst>
+                        <p:par>
+                          <p:cTn id="4" fill="hold">
+                            <p:stCondLst>
+                              <p:cond delay="0"/>
+                            </p:stCondLst>
+                            <p:childTnLst>
+                              <p:par>
+                                <p:cTn id="5" presetID="16" presetClass="entr" presetSubtype="21" fill="hold" grpId="0" nodeType="clickEffect">
+                                  <p:stCondLst>
+                                    <p:cond delay="0"/>
+                                  </p:stCondLst>
+                                  <p:childTnLst>
+                                    <p:set>
+                                      <p:cBhvr>
+                                        <p:cTn id="6" dur="1" fill="hold">
+                                          <p:stCondLst>
+                                            <p:cond delay="0"/>
+                                          </p:stCondLst>
+                                        </p:cTn>
+                                        <p:tgtEl>
+                                          <p:spTgt spid="13"/>
+                                        </p:tgtEl>
+                                        <p:attrNameLst>
+                                          <p:attrName>style.visibility</p:attrName>
+                                        </p:attrNameLst>
+                                      </p:cBhvr>
+                                      <p:to>
+                                        <p:strVal val="visible"/>
+                                      </p:to>
+                                    </p:set>
+                                    <p:animEffect transition="in" filter="barn(inVertical)">
+                                      <p:cBhvr>
+                                        <p:cTn id="7" dur="500"/>
+                                        <p:tgtEl>
+                                          <p:spTgt spid="13"/>
+                                        </p:tgtEl>
+                                      </p:cBhvr>
+                                    </p:animEffect>
+                                  </p:childTnLst>
+                                </p:cTn>
+                              </p:par>
+                            </p:childTnLst>
+                          </p:cTn>
+                        </p:par>
+                      </p:childTnLst>
+                    </p:cTn>
+                  </p:par>
+                  <p:par>
+                    <p:cTn id="8" fill="hold">
+                      <p:stCondLst>
+                        <p:cond delay="indefinite"/>
+                      </p:stCondLst>
+                      <p:childTnLst>
+                        <p:par>
+                          <p:cTn id="9" fill="hold">
+                            <p:stCondLst>
+                              <p:cond delay="0"/>
+                            </p:stCondLst>
+                            <p:childTnLst>
+                              <p:par>
+                                <p:cTn id="10" presetID="16" presetClass="entr" presetSubtype="21" fill="hold" grpId="0" nodeType="clickEffect">
+                                  <p:stCondLst>
+                                    <p:cond delay="0"/>
+                                  </p:stCondLst>
+                                  <p:childTnLst>
+                                    <p:set>
+                                      <p:cBhvr>
+                                        <p:cTn id="11" dur="1" fill="hold">
+                                          <p:stCondLst>
+                                            <p:cond delay="0"/>
+                                          </p:stCondLst>
+                                        </p:cTn>
+                                        <p:tgtEl>
+                                          <p:spTgt spid="14"/>
+                                        </p:tgtEl>
+                                        <p:attrNameLst>
+                                          <p:attrName>style.visibility</p:attrName>
+                                        </p:attrNameLst>
+                                      </p:cBhvr>
+                                      <p:to>
+                                        <p:strVal val="visible"/>
+                                      </p:to>
+                                    </p:set>
+                                    <p:animEffect transition="in" filter="barn(inVertical)">
+                                      <p:cBhvr>
+                                        <p:cTn id="12" dur="500"/>
+                                        <p:tgtEl>
+                                          <p:spTgt spid="14"/>
+                                        </p:tgtEl>
+                                      </p:cBhvr>
+                                    </p:animEffect>
+                                  </p:childTnLst>
+                                </p:cTn>
+                              </p:par>
+                            </p:childTnLst>
+                          </p:cTn>
+                        </p:par>
+                      </p:childTnLst>
+                    </p:cTn>
+                  </p:par>
+                  <p:par>
+                    <p:cTn id="13" fill="hold">
+                      <p:stCondLst>
+                        <p:cond delay="indefinite"/>
+                      </p:stCondLst>
+                      <p:childTnLst>
+                        <p:par>
+                          <p:cTn id="14" fill="hold">
+                            <p:stCondLst>
+                              <p:cond delay="0"/>
+                            </p:stCondLst>
+                            <p:childTnLst>
+                              <p:par>
+                                <p:cTn id="15" presetID="16" presetClass="entr" presetSubtype="21" fill="hold" grpId="0" nodeType="clickEffect">
+                                  <p:stCondLst>
+                                    <p:cond delay="0"/>
+                                  </p:stCondLst>
+                                  <p:childTnLst>
+                                    <p:set>
+                                      <p:cBhvr>
+                                        <p:cTn id="16" dur="1" fill="hold">
+                                          <p:stCondLst>
+                                            <p:cond delay="0"/>
+                                          </p:stCondLst>
+                                        </p:cTn>
+                                        <p:tgtEl>
+                                          <p:spTgt spid="9"/>
+                                        </p:tgtEl>
+                                        <p:attrNameLst>
+                                          <p:attrName>style.visibility</p:attrName>
+                                        </p:attrNameLst>
+                                      </p:cBhvr>
+                                      <p:to>
+                                        <p:strVal val="visible"/>
+                                      </p:to>
+                                    </p:set>
+                                    <p:animEffect transition="in" filter="barn(inVertical)">
+                                      <p:cBhvr>
+                                        <p:cTn id="17" dur="500"/>
+                                        <p:tgtEl>
+                                          <p:spTgt spid="9"/>
+                                        </p:tgtEl>
+                                      </p:cBhvr>
+                                    </p:animEffect>
+                                  </p:childTnLst>
+                                </p:cTn>
+                              </p:par>
+                            </p:childTnLst>
+                          </p:cTn>
+                        </p:par>
+                      </p:childTnLst>
+                    </p:cTn>
+                  </p:par>
+                </p:childTnLst>
+              </p:cTn>
+              <p:prevCondLst>
+                <p:cond evt="onPrev" delay="0">
+                  <p:tgtEl>
+                    <p:sldTgt/>
+                  </p:tgtEl>
+                </p:cond>
+              </p:prevCondLst>
+              <p:nextCondLst>
+                <p:cond evt="onNext" delay="0">
+                  <p:tgtEl>
+                    <p:sldTgt/>
+                  </p:tgtEl>
+                </p:cond>
+              </p:nextCondLst>
+            </p:seq>
+          </p:childTnLst>
+        </p:cTn>
+      </p:par>
+    </p:tnLst>
+    <p:bldLst>
+      <p:bldP spid="9" grpId="0" animBg="1"/>
+      <p:bldP spid="13" grpId="0" animBg="1"/>
+      <p:bldP spid="14" grpId="0" animBg="1"/>
+    </p:bldLst>
+  </p:timing>
+</p:sld>
+</file>
+
+<file path=ppt/slides/slide6.xml><?xml version="1.0" encoding="utf-8"?>
+<p:sld xmlns:a="http://schemas.openxmlformats.org/drawingml/2006/main" xmlns:r="http://schemas.openxmlformats.org/officeDocument/2006/relationships" xmlns:p="http://schemas.openxmlformats.org/presentationml/2006/main">
+  <p:cSld>
+    <p:spTree>
+      <p:nvGrpSpPr>
+        <p:cNvPr id="1" name=""/>
+        <p:cNvGrpSpPr/>
+        <p:nvPr/>
+      </p:nvGrpSpPr>
+      <p:grpSpPr>
+        <a:xfrm>
+          <a:off x="0" y="0"/>
+          <a:ext cx="0" cy="0"/>
+          <a:chOff x="0" y="0"/>
+          <a:chExt cx="0" cy="0"/>
+        </a:xfrm>
+      </p:grpSpPr>
+      <p:sp>
+        <p:nvSpPr>
+          <p:cNvPr id="2" name="標題 1"/>
+          <p:cNvSpPr>
+            <a:spLocks noGrp="1"/>
+          </p:cNvSpPr>
+          <p:nvPr>
+            <p:ph type="title"/>
+          </p:nvPr>
+        </p:nvSpPr>
+        <p:spPr>
+          <a:xfrm>
+            <a:off x="1619672" y="0"/>
+            <a:ext cx="1368152" cy="1069514"/>
+          </a:xfrm>
+        </p:spPr>
         <p:txBody>
           <a:bodyPr/>
           <a:lstStyle/>
@@ -7092,9 +7713,239 @@
         </p:blipFill>
         <p:spPr>
           <a:xfrm>
-            <a:off x="1547664" y="1124744"/>
+            <a:off x="576536" y="1052736"/>
             <a:ext cx="3413612" cy="2808312"/>
           </a:xfrm>
+        </p:spPr>
+      </p:pic>
+      <p:pic>
+        <p:nvPicPr>
+          <p:cNvPr id="2052" name="Picture 4"/>
+          <p:cNvPicPr>
+            <a:picLocks noChangeAspect="1" noChangeArrowheads="1"/>
+          </p:cNvPicPr>
+          <p:nvPr/>
+        </p:nvPicPr>
+        <p:blipFill>
+          <a:blip r:embed="rId3">
+            <a:extLst>
+              <a:ext uri="{28A0092B-C50C-407E-A947-70E740481C1C}">
+                <a14:useLocalDpi xmlns:a14="http://schemas.microsoft.com/office/drawing/2010/main" val="0"/>
+              </a:ext>
+            </a:extLst>
+          </a:blip>
+          <a:srcRect/>
+          <a:stretch>
+            <a:fillRect/>
+          </a:stretch>
+        </p:blipFill>
+        <p:spPr bwMode="auto">
+          <a:xfrm>
+            <a:off x="4063950" y="908720"/>
+            <a:ext cx="4543425" cy="2457450"/>
+          </a:xfrm>
+          <a:prstGeom prst="rect">
+            <a:avLst/>
+          </a:prstGeom>
+          <a:noFill/>
+          <a:ln>
+            <a:noFill/>
+          </a:ln>
+          <a:effectLst/>
+          <a:extLst>
+            <a:ext uri="{909E8E84-426E-40DD-AFC4-6F175D3DCCD1}">
+              <a14:hiddenFill xmlns:a14="http://schemas.microsoft.com/office/drawing/2010/main">
+                <a:solidFill>
+                  <a:schemeClr val="accent1"/>
+                </a:solidFill>
+              </a14:hiddenFill>
+            </a:ext>
+            <a:ext uri="{91240B29-F687-4F45-9708-019B960494DF}">
+              <a14:hiddenLine xmlns:a14="http://schemas.microsoft.com/office/drawing/2010/main" w="9525">
+                <a:solidFill>
+                  <a:schemeClr val="tx1"/>
+                </a:solidFill>
+                <a:miter lim="800000"/>
+                <a:headEnd/>
+                <a:tailEnd/>
+              </a14:hiddenLine>
+            </a:ext>
+            <a:ext uri="{AF507438-7753-43E0-B8FC-AC1667EBCBE1}">
+              <a14:hiddenEffects xmlns:a14="http://schemas.microsoft.com/office/drawing/2010/main">
+                <a:effectLst>
+                  <a:outerShdw dist="35921" dir="2700000" algn="ctr" rotWithShape="0">
+                    <a:schemeClr val="bg2"/>
+                  </a:outerShdw>
+                </a:effectLst>
+              </a14:hiddenEffects>
+            </a:ext>
+          </a:extLst>
+        </p:spPr>
+      </p:pic>
+      <p:sp>
+        <p:nvSpPr>
+          <p:cNvPr id="7" name="橢圓 6"/>
+          <p:cNvSpPr/>
+          <p:nvPr/>
+        </p:nvSpPr>
+        <p:spPr>
+          <a:xfrm>
+            <a:off x="796616" y="4029819"/>
+            <a:ext cx="624408" cy="624408"/>
+          </a:xfrm>
+          <a:prstGeom prst="ellipse">
+            <a:avLst/>
+          </a:prstGeom>
+          <a:noFill/>
+        </p:spPr>
+        <p:style>
+          <a:lnRef idx="2">
+            <a:schemeClr val="accent5"/>
+          </a:lnRef>
+          <a:fillRef idx="1">
+            <a:schemeClr val="lt1"/>
+          </a:fillRef>
+          <a:effectRef idx="0">
+            <a:schemeClr val="accent5"/>
+          </a:effectRef>
+          <a:fontRef idx="minor">
+            <a:schemeClr val="dk1"/>
+          </a:fontRef>
+        </p:style>
+        <p:txBody>
+          <a:bodyPr rtlCol="0" anchor="ctr"/>
+          <a:lstStyle/>
+          <a:p>
+            <a:pPr algn="ctr"/>
+            <a:r>
+              <a:rPr lang="en-US" altLang="zh-TW" sz="2400" dirty="0" smtClean="0">
+                <a:solidFill>
+                  <a:srgbClr val="002060"/>
+                </a:solidFill>
+              </a:rPr>
+              <a:t>M</a:t>
+            </a:r>
+            <a:endParaRPr lang="zh-TW" altLang="en-US" sz="2400" dirty="0">
+              <a:solidFill>
+                <a:srgbClr val="002060"/>
+              </a:solidFill>
+            </a:endParaRPr>
+          </a:p>
+        </p:txBody>
+      </p:sp>
+      <p:sp>
+        <p:nvSpPr>
+          <p:cNvPr id="13" name="橢圓 12"/>
+          <p:cNvSpPr/>
+          <p:nvPr/>
+        </p:nvSpPr>
+        <p:spPr>
+          <a:xfrm>
+            <a:off x="3707904" y="476672"/>
+            <a:ext cx="624408" cy="624408"/>
+          </a:xfrm>
+          <a:prstGeom prst="ellipse">
+            <a:avLst/>
+          </a:prstGeom>
+          <a:noFill/>
+        </p:spPr>
+        <p:style>
+          <a:lnRef idx="2">
+            <a:schemeClr val="accent5"/>
+          </a:lnRef>
+          <a:fillRef idx="1">
+            <a:schemeClr val="lt1"/>
+          </a:fillRef>
+          <a:effectRef idx="0">
+            <a:schemeClr val="accent5"/>
+          </a:effectRef>
+          <a:fontRef idx="minor">
+            <a:schemeClr val="dk1"/>
+          </a:fontRef>
+        </p:style>
+        <p:txBody>
+          <a:bodyPr rtlCol="0" anchor="ctr"/>
+          <a:lstStyle/>
+          <a:p>
+            <a:pPr algn="ctr"/>
+            <a:r>
+              <a:rPr lang="en-US" altLang="zh-TW" sz="2400" dirty="0" smtClean="0">
+                <a:solidFill>
+                  <a:srgbClr val="002060"/>
+                </a:solidFill>
+              </a:rPr>
+              <a:t>C</a:t>
+            </a:r>
+            <a:endParaRPr lang="zh-TW" altLang="en-US" sz="2400" dirty="0">
+              <a:solidFill>
+                <a:srgbClr val="002060"/>
+              </a:solidFill>
+            </a:endParaRPr>
+          </a:p>
+        </p:txBody>
+      </p:sp>
+      <p:pic>
+        <p:nvPicPr>
+          <p:cNvPr id="2053" name="Picture 5"/>
+          <p:cNvPicPr>
+            <a:picLocks noChangeAspect="1" noChangeArrowheads="1"/>
+          </p:cNvPicPr>
+          <p:nvPr/>
+        </p:nvPicPr>
+        <p:blipFill>
+          <a:blip r:embed="rId4">
+            <a:extLst>
+              <a:ext uri="{28A0092B-C50C-407E-A947-70E740481C1C}">
+                <a14:useLocalDpi xmlns:a14="http://schemas.microsoft.com/office/drawing/2010/main" val="0"/>
+              </a:ext>
+            </a:extLst>
+          </a:blip>
+          <a:srcRect/>
+          <a:stretch>
+            <a:fillRect/>
+          </a:stretch>
+        </p:blipFill>
+        <p:spPr bwMode="auto">
+          <a:xfrm>
+            <a:off x="1421024" y="4029819"/>
+            <a:ext cx="6924675" cy="2552700"/>
+          </a:xfrm>
+          <a:prstGeom prst="rect">
+            <a:avLst/>
+          </a:prstGeom>
+          <a:noFill/>
+          <a:ln>
+            <a:noFill/>
+          </a:ln>
+          <a:effectLst/>
+          <a:extLst>
+            <a:ext uri="{909E8E84-426E-40DD-AFC4-6F175D3DCCD1}">
+              <a14:hiddenFill xmlns:a14="http://schemas.microsoft.com/office/drawing/2010/main">
+                <a:solidFill>
+                  <a:schemeClr val="accent1"/>
+                </a:solidFill>
+              </a14:hiddenFill>
+            </a:ext>
+            <a:ext uri="{91240B29-F687-4F45-9708-019B960494DF}">
+              <a14:hiddenLine xmlns:a14="http://schemas.microsoft.com/office/drawing/2010/main" w="9525">
+                <a:solidFill>
+                  <a:schemeClr val="tx1"/>
+                </a:solidFill>
+                <a:miter lim="800000"/>
+                <a:headEnd/>
+                <a:tailEnd/>
+              </a14:hiddenLine>
+            </a:ext>
+            <a:ext uri="{AF507438-7753-43E0-B8FC-AC1667EBCBE1}">
+              <a14:hiddenEffects xmlns:a14="http://schemas.microsoft.com/office/drawing/2010/main">
+                <a:effectLst>
+                  <a:outerShdw dist="35921" dir="2700000" algn="ctr" rotWithShape="0">
+                    <a:schemeClr val="bg2"/>
+                  </a:outerShdw>
+                </a:effectLst>
+              </a14:hiddenEffects>
+            </a:ext>
+          </a:extLst>
         </p:spPr>
       </p:pic>
     </p:spTree>
@@ -7117,7 +7968,7 @@
 </p:sld>
 </file>
 
-<file path=ppt/slides/slide6.xml><?xml version="1.0" encoding="utf-8"?>
+<file path=ppt/slides/slide7.xml><?xml version="1.0" encoding="utf-8"?>
 <p:sld xmlns:a="http://schemas.openxmlformats.org/drawingml/2006/main" xmlns:r="http://schemas.openxmlformats.org/officeDocument/2006/relationships" xmlns:p="http://schemas.openxmlformats.org/presentationml/2006/main">
   <p:cSld>
     <p:spTree>
@@ -7231,7 +8082,7 @@
 </p:sld>
 </file>
 
-<file path=ppt/slides/slide7.xml><?xml version="1.0" encoding="utf-8"?>
+<file path=ppt/slides/slide8.xml><?xml version="1.0" encoding="utf-8"?>
 <p:sld xmlns:a="http://schemas.openxmlformats.org/drawingml/2006/main" xmlns:r="http://schemas.openxmlformats.org/officeDocument/2006/relationships" xmlns:p="http://schemas.openxmlformats.org/presentationml/2006/main">
   <p:cSld>
     <p:spTree>
@@ -7271,41 +8122,6 @@
           </a:p>
         </p:txBody>
       </p:sp>
-      <p:sp>
-        <p:nvSpPr>
-          <p:cNvPr id="3" name="內容版面配置區 2"/>
-          <p:cNvSpPr>
-            <a:spLocks noGrp="1"/>
-          </p:cNvSpPr>
-          <p:nvPr>
-            <p:ph idx="1"/>
-          </p:nvPr>
-        </p:nvSpPr>
-        <p:spPr/>
-        <p:txBody>
-          <a:bodyPr/>
-          <a:lstStyle/>
-          <a:p>
-            <a:r>
-              <a:rPr lang="en-US" altLang="zh-TW" dirty="0" smtClean="0">
-                <a:hlinkClick r:id="rId2"/>
-              </a:rPr>
-              <a:t>PHP</a:t>
-            </a:r>
-            <a:r>
-              <a:rPr lang="zh-TW" altLang="en-US" dirty="0" smtClean="0"/>
-              <a:t>   </a:t>
-            </a:r>
-            <a:r>
-              <a:rPr lang="en-US" altLang="zh-TW" dirty="0" smtClean="0">
-                <a:hlinkClick r:id="rId3"/>
-              </a:rPr>
-              <a:t>JS</a:t>
-            </a:r>
-            <a:endParaRPr lang="zh-TW" altLang="en-US" dirty="0"/>
-          </a:p>
-        </p:txBody>
-      </p:sp>
       <p:pic>
         <p:nvPicPr>
           <p:cNvPr id="5" name="內容版面配置區 4"/>
@@ -7317,7 +8133,7 @@
           </p:nvPr>
         </p:nvPicPr>
         <p:blipFill>
-          <a:blip r:embed="rId4">
+          <a:blip r:embed="rId2">
             <a:extLst>
               <a:ext uri="{28A0092B-C50C-407E-A947-70E740481C1C}">
                 <a14:useLocalDpi xmlns:a14="http://schemas.microsoft.com/office/drawing/2010/main" val="0"/>
@@ -7330,15 +8146,522 @@
         </p:blipFill>
         <p:spPr>
           <a:xfrm>
-            <a:off x="2133600" y="2069601"/>
+            <a:off x="1331640" y="2060848"/>
             <a:ext cx="6564313" cy="3698286"/>
+          </a:xfrm>
+        </p:spPr>
+      </p:pic>
+      <p:sp>
+        <p:nvSpPr>
+          <p:cNvPr id="6" name="橢圓 5">
+            <a:hlinkClick r:id="rId3"/>
+          </p:cNvPr>
+          <p:cNvSpPr/>
+          <p:nvPr/>
+        </p:nvSpPr>
+        <p:spPr>
+          <a:xfrm>
+            <a:off x="2051720" y="1196752"/>
+            <a:ext cx="624408" cy="624408"/>
+          </a:xfrm>
+          <a:prstGeom prst="ellipse">
+            <a:avLst/>
+          </a:prstGeom>
+          <a:noFill/>
+        </p:spPr>
+        <p:style>
+          <a:lnRef idx="2">
+            <a:schemeClr val="accent5"/>
+          </a:lnRef>
+          <a:fillRef idx="1">
+            <a:schemeClr val="lt1"/>
+          </a:fillRef>
+          <a:effectRef idx="0">
+            <a:schemeClr val="accent5"/>
+          </a:effectRef>
+          <a:fontRef idx="minor">
+            <a:schemeClr val="dk1"/>
+          </a:fontRef>
+        </p:style>
+        <p:txBody>
+          <a:bodyPr rtlCol="0" anchor="ctr"/>
+          <a:lstStyle/>
+          <a:p>
+            <a:pPr algn="ctr"/>
+            <a:r>
+              <a:rPr lang="en-US" altLang="zh-TW" sz="2400" dirty="0" smtClean="0">
+                <a:solidFill>
+                  <a:srgbClr val="002060"/>
+                </a:solidFill>
+              </a:rPr>
+              <a:t>M</a:t>
+            </a:r>
+            <a:endParaRPr lang="zh-TW" altLang="en-US" sz="2400" dirty="0">
+              <a:solidFill>
+                <a:srgbClr val="002060"/>
+              </a:solidFill>
+            </a:endParaRPr>
+          </a:p>
+        </p:txBody>
+      </p:sp>
+      <p:sp>
+        <p:nvSpPr>
+          <p:cNvPr id="7" name="橢圓 6">
+            <a:hlinkClick r:id="rId4"/>
+          </p:cNvPr>
+          <p:cNvSpPr/>
+          <p:nvPr/>
+        </p:nvSpPr>
+        <p:spPr>
+          <a:xfrm>
+            <a:off x="3165004" y="1175023"/>
+            <a:ext cx="648072" cy="648072"/>
+          </a:xfrm>
+          <a:prstGeom prst="ellipse">
+            <a:avLst/>
+          </a:prstGeom>
+          <a:noFill/>
+        </p:spPr>
+        <p:style>
+          <a:lnRef idx="2">
+            <a:schemeClr val="accent5"/>
+          </a:lnRef>
+          <a:fillRef idx="1">
+            <a:schemeClr val="lt1"/>
+          </a:fillRef>
+          <a:effectRef idx="0">
+            <a:schemeClr val="accent5"/>
+          </a:effectRef>
+          <a:fontRef idx="minor">
+            <a:schemeClr val="dk1"/>
+          </a:fontRef>
+        </p:style>
+        <p:txBody>
+          <a:bodyPr rtlCol="0" anchor="ctr"/>
+          <a:lstStyle/>
+          <a:p>
+            <a:pPr algn="ctr"/>
+            <a:r>
+              <a:rPr lang="en-US" altLang="zh-TW" sz="2400" dirty="0">
+                <a:solidFill>
+                  <a:srgbClr val="002060"/>
+                </a:solidFill>
+              </a:rPr>
+              <a:t>J</a:t>
+            </a:r>
+            <a:r>
+              <a:rPr lang="en-US" altLang="zh-TW" sz="2400" dirty="0" smtClean="0">
+                <a:solidFill>
+                  <a:srgbClr val="002060"/>
+                </a:solidFill>
+              </a:rPr>
+              <a:t>S</a:t>
+            </a:r>
+            <a:endParaRPr lang="zh-TW" altLang="en-US" sz="2400" dirty="0">
+              <a:solidFill>
+                <a:srgbClr val="002060"/>
+              </a:solidFill>
+            </a:endParaRPr>
+          </a:p>
+        </p:txBody>
+      </p:sp>
+      <p:pic>
+        <p:nvPicPr>
+          <p:cNvPr id="3074" name="Picture 2"/>
+          <p:cNvPicPr>
+            <a:picLocks noChangeAspect="1" noChangeArrowheads="1"/>
+          </p:cNvPicPr>
+          <p:nvPr/>
+        </p:nvPicPr>
+        <p:blipFill>
+          <a:blip r:embed="rId5">
+            <a:extLst>
+              <a:ext uri="{28A0092B-C50C-407E-A947-70E740481C1C}">
+                <a14:useLocalDpi xmlns:a14="http://schemas.microsoft.com/office/drawing/2010/main" val="0"/>
+              </a:ext>
+            </a:extLst>
+          </a:blip>
+          <a:srcRect/>
+          <a:stretch>
+            <a:fillRect/>
+          </a:stretch>
+        </p:blipFill>
+        <p:spPr bwMode="auto">
+          <a:xfrm>
+            <a:off x="1547664" y="2492896"/>
+            <a:ext cx="6162675" cy="3009900"/>
+          </a:xfrm>
+          <a:prstGeom prst="rect">
+            <a:avLst/>
+          </a:prstGeom>
+          <a:noFill/>
+          <a:ln>
+            <a:noFill/>
+          </a:ln>
+          <a:effectLst/>
+          <a:extLst>
+            <a:ext uri="{909E8E84-426E-40DD-AFC4-6F175D3DCCD1}">
+              <a14:hiddenFill xmlns:a14="http://schemas.microsoft.com/office/drawing/2010/main">
+                <a:solidFill>
+                  <a:schemeClr val="accent1"/>
+                </a:solidFill>
+              </a14:hiddenFill>
+            </a:ext>
+            <a:ext uri="{91240B29-F687-4F45-9708-019B960494DF}">
+              <a14:hiddenLine xmlns:a14="http://schemas.microsoft.com/office/drawing/2010/main" w="9525">
+                <a:solidFill>
+                  <a:schemeClr val="tx1"/>
+                </a:solidFill>
+                <a:miter lim="800000"/>
+                <a:headEnd/>
+                <a:tailEnd/>
+              </a14:hiddenLine>
+            </a:ext>
+            <a:ext uri="{AF507438-7753-43E0-B8FC-AC1667EBCBE1}">
+              <a14:hiddenEffects xmlns:a14="http://schemas.microsoft.com/office/drawing/2010/main">
+                <a:effectLst>
+                  <a:outerShdw dist="35921" dir="2700000" algn="ctr" rotWithShape="0">
+                    <a:schemeClr val="bg2"/>
+                  </a:outerShdw>
+                </a:effectLst>
+              </a14:hiddenEffects>
+            </a:ext>
+          </a:extLst>
+        </p:spPr>
+      </p:pic>
+      <p:sp>
+        <p:nvSpPr>
+          <p:cNvPr id="8" name="橢圓 7"/>
+          <p:cNvSpPr/>
+          <p:nvPr/>
+        </p:nvSpPr>
+        <p:spPr>
+          <a:xfrm>
+            <a:off x="3707904" y="3068960"/>
+            <a:ext cx="1656184" cy="792088"/>
+          </a:xfrm>
+          <a:prstGeom prst="ellipse">
+            <a:avLst/>
+          </a:prstGeom>
+          <a:noFill/>
+        </p:spPr>
+        <p:style>
+          <a:lnRef idx="2">
+            <a:schemeClr val="accent2"/>
+          </a:lnRef>
+          <a:fillRef idx="1">
+            <a:schemeClr val="lt1"/>
+          </a:fillRef>
+          <a:effectRef idx="0">
+            <a:schemeClr val="accent2"/>
+          </a:effectRef>
+          <a:fontRef idx="minor">
+            <a:schemeClr val="dk1"/>
+          </a:fontRef>
+        </p:style>
+        <p:txBody>
+          <a:bodyPr rtlCol="0" anchor="ctr"/>
+          <a:lstStyle/>
+          <a:p>
+            <a:pPr algn="ctr"/>
+            <a:endParaRPr lang="zh-TW" altLang="en-US"/>
+          </a:p>
+        </p:txBody>
+      </p:sp>
+    </p:spTree>
+    <p:extLst>
+      <p:ext uri="{BB962C8B-B14F-4D97-AF65-F5344CB8AC3E}">
+        <p14:creationId xmlns:p14="http://schemas.microsoft.com/office/powerpoint/2010/main" val="2788458329"/>
+      </p:ext>
+    </p:extLst>
+  </p:cSld>
+  <p:clrMapOvr>
+    <a:masterClrMapping/>
+  </p:clrMapOvr>
+  <p:timing>
+    <p:tnLst>
+      <p:par>
+        <p:cTn id="1" dur="indefinite" restart="never" nodeType="tmRoot">
+          <p:childTnLst>
+            <p:seq concurrent="1" nextAc="seek">
+              <p:cTn id="2" dur="indefinite" nodeType="mainSeq">
+                <p:childTnLst>
+                  <p:par>
+                    <p:cTn id="3" fill="hold">
+                      <p:stCondLst>
+                        <p:cond delay="indefinite"/>
+                      </p:stCondLst>
+                      <p:childTnLst>
+                        <p:par>
+                          <p:cTn id="4" fill="hold">
+                            <p:stCondLst>
+                              <p:cond delay="0"/>
+                            </p:stCondLst>
+                            <p:childTnLst>
+                              <p:par>
+                                <p:cTn id="5" presetID="10" presetClass="entr" presetSubtype="0" fill="hold" nodeType="clickEffect">
+                                  <p:stCondLst>
+                                    <p:cond delay="0"/>
+                                  </p:stCondLst>
+                                  <p:childTnLst>
+                                    <p:set>
+                                      <p:cBhvr>
+                                        <p:cTn id="6" dur="1" fill="hold">
+                                          <p:stCondLst>
+                                            <p:cond delay="0"/>
+                                          </p:stCondLst>
+                                        </p:cTn>
+                                        <p:tgtEl>
+                                          <p:spTgt spid="3074"/>
+                                        </p:tgtEl>
+                                        <p:attrNameLst>
+                                          <p:attrName>style.visibility</p:attrName>
+                                        </p:attrNameLst>
+                                      </p:cBhvr>
+                                      <p:to>
+                                        <p:strVal val="visible"/>
+                                      </p:to>
+                                    </p:set>
+                                    <p:animEffect transition="in" filter="fade">
+                                      <p:cBhvr>
+                                        <p:cTn id="7" dur="500"/>
+                                        <p:tgtEl>
+                                          <p:spTgt spid="3074"/>
+                                        </p:tgtEl>
+                                      </p:cBhvr>
+                                    </p:animEffect>
+                                  </p:childTnLst>
+                                </p:cTn>
+                              </p:par>
+                            </p:childTnLst>
+                          </p:cTn>
+                        </p:par>
+                      </p:childTnLst>
+                    </p:cTn>
+                  </p:par>
+                  <p:par>
+                    <p:cTn id="8" fill="hold">
+                      <p:stCondLst>
+                        <p:cond delay="indefinite"/>
+                      </p:stCondLst>
+                      <p:childTnLst>
+                        <p:par>
+                          <p:cTn id="9" fill="hold">
+                            <p:stCondLst>
+                              <p:cond delay="0"/>
+                            </p:stCondLst>
+                            <p:childTnLst>
+                              <p:par>
+                                <p:cTn id="10" presetID="42" presetClass="entr" presetSubtype="0" fill="hold" grpId="0" nodeType="clickEffect">
+                                  <p:stCondLst>
+                                    <p:cond delay="0"/>
+                                  </p:stCondLst>
+                                  <p:childTnLst>
+                                    <p:set>
+                                      <p:cBhvr>
+                                        <p:cTn id="11" dur="1" fill="hold">
+                                          <p:stCondLst>
+                                            <p:cond delay="0"/>
+                                          </p:stCondLst>
+                                        </p:cTn>
+                                        <p:tgtEl>
+                                          <p:spTgt spid="8"/>
+                                        </p:tgtEl>
+                                        <p:attrNameLst>
+                                          <p:attrName>style.visibility</p:attrName>
+                                        </p:attrNameLst>
+                                      </p:cBhvr>
+                                      <p:to>
+                                        <p:strVal val="visible"/>
+                                      </p:to>
+                                    </p:set>
+                                    <p:animEffect transition="in" filter="fade">
+                                      <p:cBhvr>
+                                        <p:cTn id="12" dur="1000"/>
+                                        <p:tgtEl>
+                                          <p:spTgt spid="8"/>
+                                        </p:tgtEl>
+                                      </p:cBhvr>
+                                    </p:animEffect>
+                                    <p:anim calcmode="lin" valueType="num">
+                                      <p:cBhvr>
+                                        <p:cTn id="13" dur="1000" fill="hold"/>
+                                        <p:tgtEl>
+                                          <p:spTgt spid="8"/>
+                                        </p:tgtEl>
+                                        <p:attrNameLst>
+                                          <p:attrName>ppt_x</p:attrName>
+                                        </p:attrNameLst>
+                                      </p:cBhvr>
+                                      <p:tavLst>
+                                        <p:tav tm="0">
+                                          <p:val>
+                                            <p:strVal val="#ppt_x"/>
+                                          </p:val>
+                                        </p:tav>
+                                        <p:tav tm="100000">
+                                          <p:val>
+                                            <p:strVal val="#ppt_x"/>
+                                          </p:val>
+                                        </p:tav>
+                                      </p:tavLst>
+                                    </p:anim>
+                                    <p:anim calcmode="lin" valueType="num">
+                                      <p:cBhvr>
+                                        <p:cTn id="14" dur="1000" fill="hold"/>
+                                        <p:tgtEl>
+                                          <p:spTgt spid="8"/>
+                                        </p:tgtEl>
+                                        <p:attrNameLst>
+                                          <p:attrName>ppt_y</p:attrName>
+                                        </p:attrNameLst>
+                                      </p:cBhvr>
+                                      <p:tavLst>
+                                        <p:tav tm="0">
+                                          <p:val>
+                                            <p:strVal val="#ppt_y+.1"/>
+                                          </p:val>
+                                        </p:tav>
+                                        <p:tav tm="100000">
+                                          <p:val>
+                                            <p:strVal val="#ppt_y"/>
+                                          </p:val>
+                                        </p:tav>
+                                      </p:tavLst>
+                                    </p:anim>
+                                  </p:childTnLst>
+                                </p:cTn>
+                              </p:par>
+                            </p:childTnLst>
+                          </p:cTn>
+                        </p:par>
+                      </p:childTnLst>
+                    </p:cTn>
+                  </p:par>
+                </p:childTnLst>
+              </p:cTn>
+              <p:prevCondLst>
+                <p:cond evt="onPrev" delay="0">
+                  <p:tgtEl>
+                    <p:sldTgt/>
+                  </p:tgtEl>
+                </p:cond>
+              </p:prevCondLst>
+              <p:nextCondLst>
+                <p:cond evt="onNext" delay="0">
+                  <p:tgtEl>
+                    <p:sldTgt/>
+                  </p:tgtEl>
+                </p:cond>
+              </p:nextCondLst>
+            </p:seq>
+          </p:childTnLst>
+        </p:cTn>
+      </p:par>
+    </p:tnLst>
+    <p:bldLst>
+      <p:bldP spid="8" grpId="0" animBg="1"/>
+    </p:bldLst>
+  </p:timing>
+</p:sld>
+</file>
+
+<file path=ppt/slides/slide9.xml><?xml version="1.0" encoding="utf-8"?>
+<p:sld xmlns:a="http://schemas.openxmlformats.org/drawingml/2006/main" xmlns:r="http://schemas.openxmlformats.org/officeDocument/2006/relationships" xmlns:p="http://schemas.openxmlformats.org/presentationml/2006/main">
+  <p:cSld>
+    <p:spTree>
+      <p:nvGrpSpPr>
+        <p:cNvPr id="1" name=""/>
+        <p:cNvGrpSpPr/>
+        <p:nvPr/>
+      </p:nvGrpSpPr>
+      <p:grpSpPr>
+        <a:xfrm>
+          <a:off x="0" y="0"/>
+          <a:ext cx="0" cy="0"/>
+          <a:chOff x="0" y="0"/>
+          <a:chExt cx="0" cy="0"/>
+        </a:xfrm>
+      </p:grpSpPr>
+      <p:sp>
+        <p:nvSpPr>
+          <p:cNvPr id="2" name="標題 1"/>
+          <p:cNvSpPr>
+            <a:spLocks noGrp="1"/>
+          </p:cNvSpPr>
+          <p:nvPr>
+            <p:ph type="title"/>
+          </p:nvPr>
+        </p:nvSpPr>
+        <p:spPr/>
+        <p:txBody>
+          <a:bodyPr/>
+          <a:lstStyle/>
+          <a:p>
+            <a:endParaRPr lang="zh-TW" altLang="en-US"/>
+          </a:p>
+        </p:txBody>
+      </p:sp>
+      <p:sp>
+        <p:nvSpPr>
+          <p:cNvPr id="3" name="內容版面配置區 2"/>
+          <p:cNvSpPr>
+            <a:spLocks noGrp="1"/>
+          </p:cNvSpPr>
+          <p:nvPr>
+            <p:ph idx="1"/>
+          </p:nvPr>
+        </p:nvSpPr>
+        <p:spPr/>
+        <p:txBody>
+          <a:bodyPr/>
+          <a:lstStyle/>
+          <a:p>
+            <a:r>
+              <a:rPr lang="en-US" altLang="zh-TW" dirty="0" smtClean="0">
+                <a:hlinkClick r:id="rId2"/>
+              </a:rPr>
+              <a:t>My web</a:t>
+            </a:r>
+            <a:endParaRPr lang="zh-TW" altLang="en-US" dirty="0"/>
+          </a:p>
+        </p:txBody>
+      </p:sp>
+      <p:pic>
+        <p:nvPicPr>
+          <p:cNvPr id="5" name="內容版面配置區 4">
+            <a:hlinkClick r:id="rId3"/>
+          </p:cNvPr>
+          <p:cNvPicPr>
+            <a:picLocks noGrp="1" noChangeAspect="1"/>
+          </p:cNvPicPr>
+          <p:nvPr>
+            <p:ph idx="10"/>
+          </p:nvPr>
+        </p:nvPicPr>
+        <p:blipFill>
+          <a:blip r:embed="rId4" cstate="print">
+            <a:extLst>
+              <a:ext uri="{28A0092B-C50C-407E-A947-70E740481C1C}">
+                <a14:useLocalDpi xmlns:a14="http://schemas.microsoft.com/office/drawing/2010/main" val="0"/>
+              </a:ext>
+            </a:extLst>
+          </a:blip>
+          <a:stretch>
+            <a:fillRect/>
+          </a:stretch>
+        </p:blipFill>
+        <p:spPr>
+          <a:xfrm>
+            <a:off x="2123728" y="1844824"/>
+            <a:ext cx="5529929" cy="4148138"/>
           </a:xfrm>
         </p:spPr>
       </p:pic>
     </p:spTree>
     <p:extLst>
       <p:ext uri="{BB962C8B-B14F-4D97-AF65-F5344CB8AC3E}">
-        <p14:creationId xmlns:p14="http://schemas.microsoft.com/office/powerpoint/2010/main" val="2788458329"/>
+        <p14:creationId xmlns:p14="http://schemas.microsoft.com/office/powerpoint/2010/main" val="261611101"/>
       </p:ext>
     </p:extLst>
   </p:cSld>

--- a/Anny_ke.pptx
+++ b/Anny_ke.pptx
@@ -7,14 +7,14 @@
   </p:sldMasterIdLst>
   <p:sldIdLst>
     <p:sldId id="256" r:id="rId3"/>
-    <p:sldId id="260" r:id="rId4"/>
-    <p:sldId id="257" r:id="rId5"/>
-    <p:sldId id="259" r:id="rId6"/>
-    <p:sldId id="264" r:id="rId7"/>
-    <p:sldId id="263" r:id="rId8"/>
-    <p:sldId id="261" r:id="rId9"/>
-    <p:sldId id="262" r:id="rId10"/>
-    <p:sldId id="265" r:id="rId11"/>
+    <p:sldId id="259" r:id="rId4"/>
+    <p:sldId id="260" r:id="rId5"/>
+    <p:sldId id="264" r:id="rId6"/>
+    <p:sldId id="263" r:id="rId7"/>
+    <p:sldId id="261" r:id="rId8"/>
+    <p:sldId id="262" r:id="rId9"/>
+    <p:sldId id="265" r:id="rId10"/>
+    <p:sldId id="266" r:id="rId11"/>
   </p:sldIdLst>
   <p:sldSz cx="9144000" cy="6858000" type="screen4x3"/>
   <p:notesSz cx="6858000" cy="9144000"/>
@@ -194,7 +194,7 @@
           <a:p>
             <a:fld id="{18DCCD61-643D-44A5-A450-3A42A50CBC1E}" type="datetimeFigureOut">
               <a:rPr lang="en-US" smtClean="0"/>
-              <a:t>7/25/2016</a:t>
+              <a:t>7/26/2016</a:t>
             </a:fld>
             <a:endParaRPr lang="en-US"/>
           </a:p>
@@ -471,7 +471,7 @@
           <a:p>
             <a:fld id="{18DCCD61-643D-44A5-A450-3A42A50CBC1E}" type="datetimeFigureOut">
               <a:rPr lang="en-US" smtClean="0"/>
-              <a:t>7/25/2016</a:t>
+              <a:t>7/26/2016</a:t>
             </a:fld>
             <a:endParaRPr lang="en-US"/>
           </a:p>
@@ -724,7 +724,7 @@
           <a:p>
             <a:fld id="{18DCCD61-643D-44A5-A450-3A42A50CBC1E}" type="datetimeFigureOut">
               <a:rPr lang="en-US" smtClean="0"/>
-              <a:t>7/25/2016</a:t>
+              <a:t>7/26/2016</a:t>
             </a:fld>
             <a:endParaRPr lang="en-US"/>
           </a:p>
@@ -894,7 +894,7 @@
           <a:p>
             <a:fld id="{18DCCD61-643D-44A5-A450-3A42A50CBC1E}" type="datetimeFigureOut">
               <a:rPr lang="en-US" smtClean="0"/>
-              <a:t>7/25/2016</a:t>
+              <a:t>7/26/2016</a:t>
             </a:fld>
             <a:endParaRPr lang="en-US"/>
           </a:p>
@@ -1074,7 +1074,7 @@
           <a:p>
             <a:fld id="{18DCCD61-643D-44A5-A450-3A42A50CBC1E}" type="datetimeFigureOut">
               <a:rPr lang="en-US" smtClean="0"/>
-              <a:t>7/25/2016</a:t>
+              <a:t>7/26/2016</a:t>
             </a:fld>
             <a:endParaRPr lang="en-US"/>
           </a:p>
@@ -1718,7 +1718,7 @@
           <a:p>
             <a:fld id="{18DCCD61-643D-44A5-A450-3A42A50CBC1E}" type="datetimeFigureOut">
               <a:rPr lang="en-US" smtClean="0"/>
-              <a:t>7/25/2016</a:t>
+              <a:t>7/26/2016</a:t>
             </a:fld>
             <a:endParaRPr lang="en-US"/>
           </a:p>
@@ -1888,7 +1888,7 @@
           <a:p>
             <a:fld id="{18DCCD61-643D-44A5-A450-3A42A50CBC1E}" type="datetimeFigureOut">
               <a:rPr lang="en-US" smtClean="0"/>
-              <a:t>7/25/2016</a:t>
+              <a:t>7/26/2016</a:t>
             </a:fld>
             <a:endParaRPr lang="en-US"/>
           </a:p>
@@ -2134,7 +2134,7 @@
           <a:p>
             <a:fld id="{18DCCD61-643D-44A5-A450-3A42A50CBC1E}" type="datetimeFigureOut">
               <a:rPr lang="en-US" smtClean="0"/>
-              <a:t>7/25/2016</a:t>
+              <a:t>7/26/2016</a:t>
             </a:fld>
             <a:endParaRPr lang="en-US"/>
           </a:p>
@@ -2422,7 +2422,7 @@
           <a:p>
             <a:fld id="{18DCCD61-643D-44A5-A450-3A42A50CBC1E}" type="datetimeFigureOut">
               <a:rPr lang="en-US" smtClean="0"/>
-              <a:t>7/25/2016</a:t>
+              <a:t>7/26/2016</a:t>
             </a:fld>
             <a:endParaRPr lang="en-US"/>
           </a:p>
@@ -2844,7 +2844,7 @@
           <a:p>
             <a:fld id="{18DCCD61-643D-44A5-A450-3A42A50CBC1E}" type="datetimeFigureOut">
               <a:rPr lang="en-US" smtClean="0"/>
-              <a:t>7/25/2016</a:t>
+              <a:t>7/26/2016</a:t>
             </a:fld>
             <a:endParaRPr lang="en-US"/>
           </a:p>
@@ -2962,7 +2962,7 @@
           <a:p>
             <a:fld id="{18DCCD61-643D-44A5-A450-3A42A50CBC1E}" type="datetimeFigureOut">
               <a:rPr lang="en-US" smtClean="0"/>
-              <a:t>7/25/2016</a:t>
+              <a:t>7/26/2016</a:t>
             </a:fld>
             <a:endParaRPr lang="en-US"/>
           </a:p>
@@ -3466,7 +3466,7 @@
           <a:p>
             <a:fld id="{18DCCD61-643D-44A5-A450-3A42A50CBC1E}" type="datetimeFigureOut">
               <a:rPr lang="en-US" smtClean="0"/>
-              <a:t>7/25/2016</a:t>
+              <a:t>7/26/2016</a:t>
             </a:fld>
             <a:endParaRPr lang="en-US"/>
           </a:p>
@@ -4259,126 +4259,6 @@
           </a:p>
         </p:txBody>
       </p:sp>
-      <p:grpSp>
-        <p:nvGrpSpPr>
-          <p:cNvPr id="20" name="Group 19"/>
-          <p:cNvGrpSpPr/>
-          <p:nvPr/>
-        </p:nvGrpSpPr>
-        <p:grpSpPr>
-          <a:xfrm>
-            <a:off x="4034583" y="3909678"/>
-            <a:ext cx="1062726" cy="261174"/>
-            <a:chOff x="3275856" y="1242391"/>
-            <a:chExt cx="1656184" cy="407020"/>
-          </a:xfrm>
-        </p:grpSpPr>
-        <p:sp>
-          <p:nvSpPr>
-            <p:cNvPr id="21" name="Rounded Rectangle 20"/>
-            <p:cNvSpPr/>
-            <p:nvPr/>
-          </p:nvSpPr>
-          <p:spPr>
-            <a:xfrm>
-              <a:off x="3275856" y="1242391"/>
-              <a:ext cx="1656184" cy="407020"/>
-            </a:xfrm>
-            <a:prstGeom prst="roundRect">
-              <a:avLst>
-                <a:gd name="adj" fmla="val 50000"/>
-              </a:avLst>
-            </a:prstGeom>
-            <a:solidFill>
-              <a:schemeClr val="bg1">
-                <a:alpha val="0"/>
-              </a:schemeClr>
-            </a:solidFill>
-            <a:ln w="15875">
-              <a:solidFill>
-                <a:schemeClr val="tx1">
-                  <a:lumMod val="75000"/>
-                  <a:lumOff val="25000"/>
-                </a:schemeClr>
-              </a:solidFill>
-            </a:ln>
-          </p:spPr>
-          <p:style>
-            <a:lnRef idx="2">
-              <a:schemeClr val="accent1">
-                <a:shade val="50000"/>
-              </a:schemeClr>
-            </a:lnRef>
-            <a:fillRef idx="1">
-              <a:schemeClr val="accent1"/>
-            </a:fillRef>
-            <a:effectRef idx="0">
-              <a:schemeClr val="accent1"/>
-            </a:effectRef>
-            <a:fontRef idx="minor">
-              <a:schemeClr val="lt1"/>
-            </a:fontRef>
-          </p:style>
-          <p:txBody>
-            <a:bodyPr rtlCol="0" anchor="ctr"/>
-            <a:lstStyle/>
-            <a:p>
-              <a:pPr algn="ctr"/>
-              <a:endParaRPr lang="ko-KR" altLang="en-US"/>
-            </a:p>
-          </p:txBody>
-        </p:sp>
-        <p:pic>
-          <p:nvPicPr>
-            <p:cNvPr id="22" name="Picture 2" descr="E:\002-KIMS BUSINESS\007-01-ALLPPT.com\011-ALLPPT-LOGO\allppt-logo-e.png"/>
-            <p:cNvPicPr>
-              <a:picLocks noChangeAspect="1" noChangeArrowheads="1"/>
-            </p:cNvPicPr>
-            <p:nvPr/>
-          </p:nvPicPr>
-          <p:blipFill>
-            <a:blip r:embed="rId2" cstate="print">
-              <a:extLst>
-                <a:ext uri="{BEBA8EAE-BF5A-486C-A8C5-ECC9F3942E4B}">
-                  <a14:imgProps xmlns:a14="http://schemas.microsoft.com/office/drawing/2010/main">
-                    <a14:imgLayer r:embed="rId3">
-                      <a14:imgEffect>
-                        <a14:brightnessContrast bright="-100000" contrast="40000"/>
-                      </a14:imgEffect>
-                    </a14:imgLayer>
-                  </a14:imgProps>
-                </a:ext>
-                <a:ext uri="{28A0092B-C50C-407E-A947-70E740481C1C}">
-                  <a14:useLocalDpi xmlns:a14="http://schemas.microsoft.com/office/drawing/2010/main" val="0"/>
-                </a:ext>
-              </a:extLst>
-            </a:blip>
-            <a:srcRect/>
-            <a:stretch>
-              <a:fillRect/>
-            </a:stretch>
-          </p:blipFill>
-          <p:spPr bwMode="auto">
-            <a:xfrm>
-              <a:off x="3516120" y="1319622"/>
-              <a:ext cx="1187245" cy="247343"/>
-            </a:xfrm>
-            <a:prstGeom prst="rect">
-              <a:avLst/>
-            </a:prstGeom>
-            <a:noFill/>
-            <a:extLst>
-              <a:ext uri="{909E8E84-426E-40DD-AFC4-6F175D3DCCD1}">
-                <a14:hiddenFill xmlns:a14="http://schemas.microsoft.com/office/drawing/2010/main">
-                  <a:solidFill>
-                    <a:srgbClr val="FFFFFF"/>
-                  </a:solidFill>
-                </a14:hiddenFill>
-              </a:ext>
-            </a:extLst>
-          </p:spPr>
-        </p:pic>
-      </p:grpSp>
       <p:sp>
         <p:nvSpPr>
           <p:cNvPr id="7" name="TextBox 6">
@@ -4470,7 +4350,7 @@
       </p:grpSpPr>
       <p:sp>
         <p:nvSpPr>
-          <p:cNvPr id="2" name="標題 1"/>
+          <p:cNvPr id="4" name="Title 3"/>
           <p:cNvSpPr>
             <a:spLocks noGrp="1"/>
           </p:cNvSpPr>
@@ -4484,66 +4364,68 @@
           <a:lstStyle/>
           <a:p>
             <a:r>
-              <a:rPr lang="zh-TW" altLang="en-US" dirty="0" smtClean="0"/>
-              <a:t>使用的技術與語言</a:t>
-            </a:r>
-            <a:endParaRPr lang="zh-TW" altLang="en-US" dirty="0"/>
-          </a:p>
-        </p:txBody>
-      </p:sp>
-      <p:sp>
-        <p:nvSpPr>
-          <p:cNvPr id="4" name="內容版面配置區 3"/>
-          <p:cNvSpPr>
-            <a:spLocks noGrp="1"/>
-          </p:cNvSpPr>
+              <a:rPr lang="en-US" altLang="ko-KR" dirty="0" smtClean="0"/>
+              <a:t> </a:t>
+            </a:r>
+            <a:endParaRPr lang="ko-KR" altLang="en-US" dirty="0"/>
+          </a:p>
+        </p:txBody>
+      </p:sp>
+      <p:pic>
+        <p:nvPicPr>
+          <p:cNvPr id="2" name="內容版面配置區 1"/>
+          <p:cNvPicPr>
+            <a:picLocks noGrp="1" noChangeAspect="1"/>
+          </p:cNvPicPr>
           <p:nvPr>
-            <p:ph idx="10"/>
+            <p:ph idx="1"/>
           </p:nvPr>
-        </p:nvSpPr>
-        <p:spPr/>
-        <p:txBody>
-          <a:bodyPr/>
-          <a:lstStyle/>
-          <a:p>
-            <a:r>
-              <a:rPr lang="en-US" altLang="zh-TW" dirty="0" smtClean="0"/>
-              <a:t>		</a:t>
-            </a:r>
-            <a:endParaRPr lang="zh-TW" altLang="en-US" dirty="0"/>
-          </a:p>
-        </p:txBody>
-      </p:sp>
-      <p:sp>
-        <p:nvSpPr>
-          <p:cNvPr id="11" name="六邊形 10"/>
+        </p:nvPicPr>
+        <p:blipFill>
+          <a:blip r:embed="rId2" cstate="print">
+            <a:extLst>
+              <a:ext uri="{28A0092B-C50C-407E-A947-70E740481C1C}">
+                <a14:useLocalDpi xmlns:a14="http://schemas.microsoft.com/office/drawing/2010/main" val="0"/>
+              </a:ext>
+            </a:extLst>
+          </a:blip>
+          <a:stretch>
+            <a:fillRect/>
+          </a:stretch>
+        </p:blipFill>
+        <p:spPr>
+          <a:xfrm>
+            <a:off x="2286869" y="476672"/>
+            <a:ext cx="576064" cy="946091"/>
+          </a:xfrm>
+        </p:spPr>
+      </p:pic>
+      <p:sp>
+        <p:nvSpPr>
+          <p:cNvPr id="3" name="圓角矩形 2"/>
           <p:cNvSpPr/>
           <p:nvPr/>
         </p:nvSpPr>
         <p:spPr>
           <a:xfrm>
-            <a:off x="1811100" y="2223300"/>
-            <a:ext cx="1752788" cy="1511024"/>
-          </a:xfrm>
-          <a:prstGeom prst="hexagon">
+            <a:off x="2106849" y="1834977"/>
+            <a:ext cx="936104" cy="648072"/>
+          </a:xfrm>
+          <a:prstGeom prst="roundRect">
             <a:avLst/>
           </a:prstGeom>
-          <a:blipFill dpi="0" rotWithShape="1">
-            <a:blip r:embed="rId2" cstate="print">
-              <a:extLst>
-                <a:ext uri="{28A0092B-C50C-407E-A947-70E740481C1C}">
-                  <a14:useLocalDpi xmlns:a14="http://schemas.microsoft.com/office/drawing/2010/main" val="0"/>
-                </a:ext>
-              </a:extLst>
-            </a:blip>
-            <a:srcRect/>
-            <a:stretch>
-              <a:fillRect/>
-            </a:stretch>
-          </a:blipFill>
+          <a:solidFill>
+            <a:schemeClr val="accent3">
+              <a:lumMod val="60000"/>
+              <a:lumOff val="40000"/>
+            </a:schemeClr>
+          </a:solidFill>
           <a:ln>
             <a:solidFill>
-              <a:schemeClr val="accent3"/>
+              <a:schemeClr val="accent3">
+                <a:lumMod val="20000"/>
+                <a:lumOff val="80000"/>
+              </a:schemeClr>
             </a:solidFill>
           </a:ln>
         </p:spPr>
@@ -4568,40 +4450,48 @@
           <a:lstStyle/>
           <a:p>
             <a:pPr algn="ctr"/>
-            <a:endParaRPr lang="zh-TW" altLang="en-US"/>
-          </a:p>
-        </p:txBody>
-      </p:sp>
-      <p:sp>
-        <p:nvSpPr>
-          <p:cNvPr id="16" name="六邊形 15"/>
+            <a:r>
+              <a:rPr lang="zh-TW" altLang="en-US" dirty="0" smtClean="0">
+                <a:solidFill>
+                  <a:schemeClr val="tx1"/>
+                </a:solidFill>
+              </a:rPr>
+              <a:t>首頁</a:t>
+            </a:r>
+            <a:endParaRPr lang="zh-TW" altLang="en-US" dirty="0">
+              <a:solidFill>
+                <a:schemeClr val="tx1"/>
+              </a:solidFill>
+            </a:endParaRPr>
+          </a:p>
+        </p:txBody>
+      </p:sp>
+      <p:sp>
+        <p:nvSpPr>
+          <p:cNvPr id="7" name="圓角矩形 6"/>
           <p:cNvSpPr/>
           <p:nvPr/>
         </p:nvSpPr>
         <p:spPr>
           <a:xfrm>
-            <a:off x="3347864" y="3068960"/>
-            <a:ext cx="1752788" cy="1511024"/>
-          </a:xfrm>
-          <a:prstGeom prst="hexagon">
+            <a:off x="2130996" y="2852936"/>
+            <a:ext cx="1188132" cy="648072"/>
+          </a:xfrm>
+          <a:prstGeom prst="roundRect">
             <a:avLst/>
           </a:prstGeom>
-          <a:blipFill dpi="0" rotWithShape="1">
-            <a:blip r:embed="rId3">
-              <a:extLst>
-                <a:ext uri="{28A0092B-C50C-407E-A947-70E740481C1C}">
-                  <a14:useLocalDpi xmlns:a14="http://schemas.microsoft.com/office/drawing/2010/main" val="0"/>
-                </a:ext>
-              </a:extLst>
-            </a:blip>
-            <a:srcRect/>
-            <a:stretch>
-              <a:fillRect/>
-            </a:stretch>
-          </a:blipFill>
+          <a:solidFill>
+            <a:schemeClr val="accent3">
+              <a:lumMod val="60000"/>
+              <a:lumOff val="40000"/>
+            </a:schemeClr>
+          </a:solidFill>
           <a:ln>
             <a:solidFill>
-              <a:schemeClr val="accent3"/>
+              <a:schemeClr val="accent3">
+                <a:lumMod val="20000"/>
+                <a:lumOff val="80000"/>
+              </a:schemeClr>
             </a:solidFill>
           </a:ln>
         </p:spPr>
@@ -4626,40 +4516,43 @@
           <a:lstStyle/>
           <a:p>
             <a:pPr algn="ctr"/>
-            <a:endParaRPr lang="zh-TW" altLang="en-US"/>
-          </a:p>
-        </p:txBody>
-      </p:sp>
-      <p:sp>
-        <p:nvSpPr>
-          <p:cNvPr id="19" name="六邊形 18"/>
+            <a:r>
+              <a:rPr lang="zh-TW" altLang="en-US" dirty="0">
+                <a:solidFill>
+                  <a:schemeClr val="tx1"/>
+                </a:solidFill>
+              </a:rPr>
+              <a:t>電影資訊</a:t>
+            </a:r>
+          </a:p>
+        </p:txBody>
+      </p:sp>
+      <p:sp>
+        <p:nvSpPr>
+          <p:cNvPr id="9" name="圓角矩形 8"/>
           <p:cNvSpPr/>
           <p:nvPr/>
         </p:nvSpPr>
         <p:spPr>
           <a:xfrm>
-            <a:off x="4907444" y="2257439"/>
-            <a:ext cx="1752788" cy="1511024"/>
-          </a:xfrm>
-          <a:prstGeom prst="hexagon">
+            <a:off x="3495632" y="2868563"/>
+            <a:ext cx="1599102" cy="648072"/>
+          </a:xfrm>
+          <a:prstGeom prst="roundRect">
             <a:avLst/>
           </a:prstGeom>
-          <a:blipFill dpi="0" rotWithShape="1">
-            <a:blip r:embed="rId4">
-              <a:extLst>
-                <a:ext uri="{28A0092B-C50C-407E-A947-70E740481C1C}">
-                  <a14:useLocalDpi xmlns:a14="http://schemas.microsoft.com/office/drawing/2010/main" val="0"/>
-                </a:ext>
-              </a:extLst>
-            </a:blip>
-            <a:srcRect/>
-            <a:stretch>
-              <a:fillRect/>
-            </a:stretch>
-          </a:blipFill>
+          <a:solidFill>
+            <a:schemeClr val="accent3">
+              <a:lumMod val="60000"/>
+              <a:lumOff val="40000"/>
+            </a:schemeClr>
+          </a:solidFill>
           <a:ln>
             <a:solidFill>
-              <a:schemeClr val="accent3"/>
+              <a:schemeClr val="accent3">
+                <a:lumMod val="20000"/>
+                <a:lumOff val="80000"/>
+              </a:schemeClr>
             </a:solidFill>
           </a:ln>
         </p:spPr>
@@ -4684,40 +4577,48 @@
           <a:lstStyle/>
           <a:p>
             <a:pPr algn="ctr"/>
-            <a:endParaRPr lang="zh-TW" altLang="en-US"/>
-          </a:p>
-        </p:txBody>
-      </p:sp>
-      <p:sp>
-        <p:nvSpPr>
-          <p:cNvPr id="20" name="六邊形 19"/>
+            <a:r>
+              <a:rPr lang="zh-TW" altLang="en-US" dirty="0" smtClean="0">
+                <a:solidFill>
+                  <a:schemeClr val="tx1"/>
+                </a:solidFill>
+              </a:rPr>
+              <a:t>電影時刻表</a:t>
+            </a:r>
+            <a:endParaRPr lang="zh-TW" altLang="en-US" dirty="0">
+              <a:solidFill>
+                <a:schemeClr val="tx1"/>
+              </a:solidFill>
+            </a:endParaRPr>
+          </a:p>
+        </p:txBody>
+      </p:sp>
+      <p:sp>
+        <p:nvSpPr>
+          <p:cNvPr id="10" name="圓角矩形 9"/>
           <p:cNvSpPr/>
           <p:nvPr/>
         </p:nvSpPr>
         <p:spPr>
           <a:xfrm>
-            <a:off x="3347864" y="4732384"/>
-            <a:ext cx="1752788" cy="1511024"/>
-          </a:xfrm>
-          <a:prstGeom prst="hexagon">
+            <a:off x="323528" y="2852936"/>
+            <a:ext cx="1599102" cy="648072"/>
+          </a:xfrm>
+          <a:prstGeom prst="roundRect">
             <a:avLst/>
           </a:prstGeom>
-          <a:blipFill dpi="0" rotWithShape="1">
-            <a:blip r:embed="rId5">
-              <a:extLst>
-                <a:ext uri="{28A0092B-C50C-407E-A947-70E740481C1C}">
-                  <a14:useLocalDpi xmlns:a14="http://schemas.microsoft.com/office/drawing/2010/main" val="0"/>
-                </a:ext>
-              </a:extLst>
-            </a:blip>
-            <a:srcRect/>
-            <a:stretch>
-              <a:fillRect/>
-            </a:stretch>
-          </a:blipFill>
+          <a:solidFill>
+            <a:schemeClr val="accent3">
+              <a:lumMod val="60000"/>
+              <a:lumOff val="40000"/>
+            </a:schemeClr>
+          </a:solidFill>
           <a:ln>
             <a:solidFill>
-              <a:schemeClr val="accent3"/>
+              <a:schemeClr val="accent3">
+                <a:lumMod val="20000"/>
+                <a:lumOff val="80000"/>
+              </a:schemeClr>
             </a:solidFill>
           </a:ln>
         </p:spPr>
@@ -4742,40 +4643,322 @@
           <a:lstStyle/>
           <a:p>
             <a:pPr algn="ctr"/>
-            <a:endParaRPr lang="zh-TW" altLang="en-US"/>
-          </a:p>
-        </p:txBody>
-      </p:sp>
-      <p:sp>
-        <p:nvSpPr>
-          <p:cNvPr id="21" name="六邊形 20"/>
+            <a:r>
+              <a:rPr lang="zh-TW" altLang="en-US" dirty="0" smtClean="0">
+                <a:solidFill>
+                  <a:schemeClr val="tx1"/>
+                </a:solidFill>
+              </a:rPr>
+              <a:t>聯絡我們</a:t>
+            </a:r>
+            <a:endParaRPr lang="zh-TW" altLang="en-US" dirty="0">
+              <a:solidFill>
+                <a:schemeClr val="tx1"/>
+              </a:solidFill>
+            </a:endParaRPr>
+          </a:p>
+        </p:txBody>
+      </p:sp>
+      <p:pic>
+        <p:nvPicPr>
+          <p:cNvPr id="6" name="圖片 5"/>
+          <p:cNvPicPr>
+            <a:picLocks noChangeAspect="1"/>
+          </p:cNvPicPr>
+          <p:nvPr/>
+        </p:nvPicPr>
+        <p:blipFill>
+          <a:blip r:embed="rId3" cstate="print">
+            <a:extLst>
+              <a:ext uri="{28A0092B-C50C-407E-A947-70E740481C1C}">
+                <a14:useLocalDpi xmlns:a14="http://schemas.microsoft.com/office/drawing/2010/main" val="0"/>
+              </a:ext>
+            </a:extLst>
+          </a:blip>
+          <a:stretch>
+            <a:fillRect/>
+          </a:stretch>
+        </p:blipFill>
+        <p:spPr>
+          <a:xfrm>
+            <a:off x="6642610" y="1784190"/>
+            <a:ext cx="987552" cy="1606296"/>
+          </a:xfrm>
+          <a:prstGeom prst="rect">
+            <a:avLst/>
+          </a:prstGeom>
+        </p:spPr>
+      </p:pic>
+      <p:sp>
+        <p:nvSpPr>
+          <p:cNvPr id="8" name="文字方塊 7"/>
+          <p:cNvSpPr txBox="1"/>
+          <p:nvPr/>
+        </p:nvSpPr>
+        <p:spPr>
+          <a:xfrm>
+            <a:off x="2106849" y="116632"/>
+            <a:ext cx="910827" cy="523220"/>
+          </a:xfrm>
+          <a:prstGeom prst="rect">
+            <a:avLst/>
+          </a:prstGeom>
+          <a:noFill/>
+        </p:spPr>
+        <p:txBody>
+          <a:bodyPr wrap="none" rtlCol="0">
+            <a:spAutoFit/>
+          </a:bodyPr>
+          <a:lstStyle/>
+          <a:p>
+            <a:r>
+              <a:rPr lang="en-US" altLang="zh-TW" sz="2800" dirty="0" smtClean="0"/>
+              <a:t>User</a:t>
+            </a:r>
+            <a:endParaRPr lang="zh-TW" altLang="en-US" sz="2800" dirty="0"/>
+          </a:p>
+        </p:txBody>
+      </p:sp>
+      <p:cxnSp>
+        <p:nvCxnSpPr>
+          <p:cNvPr id="14" name="直線接點 13"/>
+          <p:cNvCxnSpPr>
+            <a:stCxn id="2" idx="2"/>
+            <a:endCxn id="3" idx="0"/>
+          </p:cNvCxnSpPr>
+          <p:nvPr/>
+        </p:nvCxnSpPr>
+        <p:spPr>
+          <a:xfrm>
+            <a:off x="2574901" y="1422763"/>
+            <a:ext cx="0" cy="412214"/>
+          </a:xfrm>
+          <a:prstGeom prst="line">
+            <a:avLst/>
+          </a:prstGeom>
+        </p:spPr>
+        <p:style>
+          <a:lnRef idx="1">
+            <a:schemeClr val="accent1"/>
+          </a:lnRef>
+          <a:fillRef idx="0">
+            <a:schemeClr val="accent1"/>
+          </a:fillRef>
+          <a:effectRef idx="0">
+            <a:schemeClr val="accent1"/>
+          </a:effectRef>
+          <a:fontRef idx="minor">
+            <a:schemeClr val="tx1"/>
+          </a:fontRef>
+        </p:style>
+      </p:cxnSp>
+      <p:cxnSp>
+        <p:nvCxnSpPr>
+          <p:cNvPr id="16" name="直線接點 15"/>
+          <p:cNvCxnSpPr>
+            <a:stCxn id="3" idx="2"/>
+          </p:cNvCxnSpPr>
+          <p:nvPr/>
+        </p:nvCxnSpPr>
+        <p:spPr>
+          <a:xfrm>
+            <a:off x="2574901" y="2483049"/>
+            <a:ext cx="0" cy="369887"/>
+          </a:xfrm>
+          <a:prstGeom prst="line">
+            <a:avLst/>
+          </a:prstGeom>
+        </p:spPr>
+        <p:style>
+          <a:lnRef idx="1">
+            <a:schemeClr val="accent1"/>
+          </a:lnRef>
+          <a:fillRef idx="0">
+            <a:schemeClr val="accent1"/>
+          </a:fillRef>
+          <a:effectRef idx="0">
+            <a:schemeClr val="accent1"/>
+          </a:effectRef>
+          <a:fontRef idx="minor">
+            <a:schemeClr val="tx1"/>
+          </a:fontRef>
+        </p:style>
+      </p:cxnSp>
+      <p:cxnSp>
+        <p:nvCxnSpPr>
+          <p:cNvPr id="18" name="直線接點 17"/>
+          <p:cNvCxnSpPr/>
+          <p:nvPr/>
+        </p:nvCxnSpPr>
+        <p:spPr>
+          <a:xfrm>
+            <a:off x="1259632" y="2667992"/>
+            <a:ext cx="0" cy="184944"/>
+          </a:xfrm>
+          <a:prstGeom prst="line">
+            <a:avLst/>
+          </a:prstGeom>
+        </p:spPr>
+        <p:style>
+          <a:lnRef idx="1">
+            <a:schemeClr val="accent1"/>
+          </a:lnRef>
+          <a:fillRef idx="0">
+            <a:schemeClr val="accent1"/>
+          </a:fillRef>
+          <a:effectRef idx="0">
+            <a:schemeClr val="accent1"/>
+          </a:effectRef>
+          <a:fontRef idx="minor">
+            <a:schemeClr val="tx1"/>
+          </a:fontRef>
+        </p:style>
+      </p:cxnSp>
+      <p:cxnSp>
+        <p:nvCxnSpPr>
+          <p:cNvPr id="19" name="直線接點 18"/>
+          <p:cNvCxnSpPr/>
+          <p:nvPr/>
+        </p:nvCxnSpPr>
+        <p:spPr>
+          <a:xfrm>
+            <a:off x="4295183" y="2683619"/>
+            <a:ext cx="0" cy="184944"/>
+          </a:xfrm>
+          <a:prstGeom prst="line">
+            <a:avLst/>
+          </a:prstGeom>
+        </p:spPr>
+        <p:style>
+          <a:lnRef idx="1">
+            <a:schemeClr val="accent1"/>
+          </a:lnRef>
+          <a:fillRef idx="0">
+            <a:schemeClr val="accent1"/>
+          </a:fillRef>
+          <a:effectRef idx="0">
+            <a:schemeClr val="accent1"/>
+          </a:effectRef>
+          <a:fontRef idx="minor">
+            <a:schemeClr val="tx1"/>
+          </a:fontRef>
+        </p:style>
+      </p:cxnSp>
+      <p:cxnSp>
+        <p:nvCxnSpPr>
+          <p:cNvPr id="21" name="直線接點 20"/>
+          <p:cNvCxnSpPr/>
+          <p:nvPr/>
+        </p:nvCxnSpPr>
+        <p:spPr>
+          <a:xfrm>
+            <a:off x="1259632" y="2667992"/>
+            <a:ext cx="3035551" cy="0"/>
+          </a:xfrm>
+          <a:prstGeom prst="line">
+            <a:avLst/>
+          </a:prstGeom>
+        </p:spPr>
+        <p:style>
+          <a:lnRef idx="1">
+            <a:schemeClr val="accent1"/>
+          </a:lnRef>
+          <a:fillRef idx="0">
+            <a:schemeClr val="accent1"/>
+          </a:fillRef>
+          <a:effectRef idx="0">
+            <a:schemeClr val="accent1"/>
+          </a:effectRef>
+          <a:fontRef idx="minor">
+            <a:schemeClr val="tx1"/>
+          </a:fontRef>
+        </p:style>
+      </p:cxnSp>
+      <p:sp>
+        <p:nvSpPr>
+          <p:cNvPr id="22" name="文字方塊 21"/>
+          <p:cNvSpPr txBox="1"/>
+          <p:nvPr/>
+        </p:nvSpPr>
+        <p:spPr>
+          <a:xfrm>
+            <a:off x="6344298" y="1105650"/>
+            <a:ext cx="1584176" cy="523220"/>
+          </a:xfrm>
+          <a:prstGeom prst="rect">
+            <a:avLst/>
+          </a:prstGeom>
+          <a:noFill/>
+        </p:spPr>
+        <p:txBody>
+          <a:bodyPr wrap="square" rtlCol="0">
+            <a:spAutoFit/>
+          </a:bodyPr>
+          <a:lstStyle/>
+          <a:p>
+            <a:r>
+              <a:rPr lang="en-US" altLang="zh-TW" sz="2800" dirty="0" smtClean="0"/>
+              <a:t>Manage</a:t>
+            </a:r>
+            <a:endParaRPr lang="zh-TW" altLang="en-US" sz="2800" dirty="0"/>
+          </a:p>
+        </p:txBody>
+      </p:sp>
+      <p:sp>
+        <p:nvSpPr>
+          <p:cNvPr id="27" name="文字方塊 26"/>
+          <p:cNvSpPr txBox="1"/>
+          <p:nvPr/>
+        </p:nvSpPr>
+        <p:spPr>
+          <a:xfrm>
+            <a:off x="5172445" y="1806846"/>
+            <a:ext cx="646331" cy="369332"/>
+          </a:xfrm>
+          <a:prstGeom prst="rect">
+            <a:avLst/>
+          </a:prstGeom>
+          <a:noFill/>
+        </p:spPr>
+        <p:txBody>
+          <a:bodyPr wrap="none" rtlCol="0">
+            <a:spAutoFit/>
+          </a:bodyPr>
+          <a:lstStyle/>
+          <a:p>
+            <a:r>
+              <a:rPr lang="zh-TW" altLang="en-US" dirty="0"/>
+              <a:t>登入</a:t>
+            </a:r>
+          </a:p>
+        </p:txBody>
+      </p:sp>
+      <p:sp>
+        <p:nvSpPr>
+          <p:cNvPr id="28" name="圓角矩形 27"/>
           <p:cNvSpPr/>
           <p:nvPr/>
         </p:nvSpPr>
         <p:spPr>
           <a:xfrm>
-            <a:off x="3347864" y="1412776"/>
-            <a:ext cx="1752788" cy="1511024"/>
-          </a:xfrm>
-          <a:prstGeom prst="hexagon">
+            <a:off x="3164267" y="4586618"/>
+            <a:ext cx="2153012" cy="648072"/>
+          </a:xfrm>
+          <a:prstGeom prst="roundRect">
             <a:avLst/>
           </a:prstGeom>
-          <a:blipFill dpi="0" rotWithShape="1">
-            <a:blip r:embed="rId6">
-              <a:extLst>
-                <a:ext uri="{28A0092B-C50C-407E-A947-70E740481C1C}">
-                  <a14:useLocalDpi xmlns:a14="http://schemas.microsoft.com/office/drawing/2010/main" val="0"/>
-                </a:ext>
-              </a:extLst>
-            </a:blip>
-            <a:srcRect/>
-            <a:stretch>
-              <a:fillRect/>
-            </a:stretch>
-          </a:blipFill>
+          <a:solidFill>
+            <a:schemeClr val="accent3">
+              <a:lumMod val="60000"/>
+              <a:lumOff val="40000"/>
+            </a:schemeClr>
+          </a:solidFill>
           <a:ln>
             <a:solidFill>
-              <a:schemeClr val="accent3"/>
+              <a:schemeClr val="accent3">
+                <a:lumMod val="20000"/>
+                <a:lumOff val="80000"/>
+              </a:schemeClr>
             </a:solidFill>
           </a:ln>
         </p:spPr>
@@ -4800,40 +4983,56 @@
           <a:lstStyle/>
           <a:p>
             <a:pPr algn="ctr"/>
-            <a:endParaRPr lang="zh-TW" altLang="en-US"/>
-          </a:p>
-        </p:txBody>
-      </p:sp>
-      <p:sp>
-        <p:nvSpPr>
-          <p:cNvPr id="22" name="六邊形 21"/>
+            <a:r>
+              <a:rPr lang="zh-TW" altLang="en-US" dirty="0">
+                <a:solidFill>
+                  <a:schemeClr val="tx1"/>
+                </a:solidFill>
+              </a:rPr>
+              <a:t>檢視聯絡</a:t>
+            </a:r>
+            <a:r>
+              <a:rPr lang="zh-TW" altLang="en-US" dirty="0" smtClean="0">
+                <a:solidFill>
+                  <a:schemeClr val="tx1"/>
+                </a:solidFill>
+              </a:rPr>
+              <a:t>我們內容</a:t>
+            </a:r>
+            <a:endParaRPr lang="zh-TW" altLang="en-US" dirty="0">
+              <a:solidFill>
+                <a:schemeClr val="tx1"/>
+              </a:solidFill>
+            </a:endParaRPr>
+          </a:p>
+        </p:txBody>
+      </p:sp>
+      <p:sp>
+        <p:nvSpPr>
+          <p:cNvPr id="29" name="圓角矩形 28"/>
           <p:cNvSpPr/>
           <p:nvPr/>
         </p:nvSpPr>
         <p:spPr>
           <a:xfrm>
-            <a:off x="1811100" y="3934200"/>
-            <a:ext cx="1752788" cy="1511024"/>
-          </a:xfrm>
-          <a:prstGeom prst="hexagon">
+            <a:off x="5748395" y="4586618"/>
+            <a:ext cx="1188132" cy="648072"/>
+          </a:xfrm>
+          <a:prstGeom prst="roundRect">
             <a:avLst/>
           </a:prstGeom>
-          <a:blipFill dpi="0" rotWithShape="1">
-            <a:blip r:embed="rId7">
-              <a:extLst>
-                <a:ext uri="{28A0092B-C50C-407E-A947-70E740481C1C}">
-                  <a14:useLocalDpi xmlns:a14="http://schemas.microsoft.com/office/drawing/2010/main" val="0"/>
-                </a:ext>
-              </a:extLst>
-            </a:blip>
-            <a:srcRect/>
-            <a:stretch>
-              <a:fillRect/>
-            </a:stretch>
-          </a:blipFill>
+          <a:solidFill>
+            <a:schemeClr val="accent3">
+              <a:lumMod val="60000"/>
+              <a:lumOff val="40000"/>
+            </a:schemeClr>
+          </a:solidFill>
           <a:ln>
             <a:solidFill>
-              <a:schemeClr val="accent3"/>
+              <a:schemeClr val="accent3">
+                <a:lumMod val="20000"/>
+                <a:lumOff val="80000"/>
+              </a:schemeClr>
             </a:solidFill>
           </a:ln>
         </p:spPr>
@@ -4858,33 +5057,43 @@
           <a:lstStyle/>
           <a:p>
             <a:pPr algn="ctr"/>
-            <a:endParaRPr lang="zh-TW" altLang="en-US"/>
-          </a:p>
-        </p:txBody>
-      </p:sp>
-      <p:sp>
-        <p:nvSpPr>
-          <p:cNvPr id="23" name="六邊形 22"/>
+            <a:r>
+              <a:rPr lang="zh-TW" altLang="en-US" dirty="0">
+                <a:solidFill>
+                  <a:schemeClr val="tx1"/>
+                </a:solidFill>
+              </a:rPr>
+              <a:t>電影資訊</a:t>
+            </a:r>
+          </a:p>
+        </p:txBody>
+      </p:sp>
+      <p:sp>
+        <p:nvSpPr>
+          <p:cNvPr id="30" name="圓角矩形 29"/>
           <p:cNvSpPr/>
           <p:nvPr/>
         </p:nvSpPr>
         <p:spPr>
           <a:xfrm>
-            <a:off x="4907444" y="3934200"/>
-            <a:ext cx="1752788" cy="1511024"/>
-          </a:xfrm>
-          <a:prstGeom prst="hexagon">
+            <a:off x="7332571" y="4586618"/>
+            <a:ext cx="1188132" cy="648072"/>
+          </a:xfrm>
+          <a:prstGeom prst="roundRect">
             <a:avLst/>
           </a:prstGeom>
           <a:solidFill>
             <a:schemeClr val="accent3">
-              <a:lumMod val="20000"/>
-              <a:lumOff val="80000"/>
+              <a:lumMod val="60000"/>
+              <a:lumOff val="40000"/>
             </a:schemeClr>
           </a:solidFill>
           <a:ln>
             <a:solidFill>
-              <a:schemeClr val="accent3"/>
+              <a:schemeClr val="accent3">
+                <a:lumMod val="20000"/>
+                <a:lumOff val="80000"/>
+              </a:schemeClr>
             </a:solidFill>
           </a:ln>
         </p:spPr>
@@ -4910,18 +5119,172 @@
           <a:p>
             <a:pPr algn="ctr"/>
             <a:r>
-              <a:rPr lang="en-US" altLang="zh-TW" sz="3200" dirty="0" smtClean="0">
+              <a:rPr lang="zh-TW" altLang="en-US" dirty="0">
                 <a:solidFill>
-                  <a:schemeClr val="accent3">
+                  <a:schemeClr val="tx1"/>
+                </a:solidFill>
+              </a:rPr>
+              <a:t>電影資訊</a:t>
+            </a:r>
+          </a:p>
+        </p:txBody>
+      </p:sp>
+      <p:cxnSp>
+        <p:nvCxnSpPr>
+          <p:cNvPr id="36" name="肘形接點 35"/>
+          <p:cNvCxnSpPr>
+            <a:endCxn id="28" idx="0"/>
+          </p:cNvCxnSpPr>
+          <p:nvPr/>
+        </p:nvCxnSpPr>
+        <p:spPr>
+          <a:xfrm rot="5400000">
+            <a:off x="5108754" y="2560823"/>
+            <a:ext cx="1157814" cy="2893776"/>
+          </a:xfrm>
+          <a:prstGeom prst="bentConnector3">
+            <a:avLst/>
+          </a:prstGeom>
+        </p:spPr>
+        <p:style>
+          <a:lnRef idx="1">
+            <a:schemeClr val="accent1"/>
+          </a:lnRef>
+          <a:fillRef idx="0">
+            <a:schemeClr val="accent1"/>
+          </a:fillRef>
+          <a:effectRef idx="0">
+            <a:schemeClr val="accent1"/>
+          </a:effectRef>
+          <a:fontRef idx="minor">
+            <a:schemeClr val="tx1"/>
+          </a:fontRef>
+        </p:style>
+      </p:cxnSp>
+      <p:cxnSp>
+        <p:nvCxnSpPr>
+          <p:cNvPr id="38" name="肘形接點 37"/>
+          <p:cNvCxnSpPr>
+            <a:endCxn id="29" idx="0"/>
+          </p:cNvCxnSpPr>
+          <p:nvPr/>
+        </p:nvCxnSpPr>
+        <p:spPr>
+          <a:xfrm rot="5400000">
+            <a:off x="6159598" y="3611667"/>
+            <a:ext cx="1157814" cy="792088"/>
+          </a:xfrm>
+          <a:prstGeom prst="bentConnector3">
+            <a:avLst/>
+          </a:prstGeom>
+        </p:spPr>
+        <p:style>
+          <a:lnRef idx="1">
+            <a:schemeClr val="accent1"/>
+          </a:lnRef>
+          <a:fillRef idx="0">
+            <a:schemeClr val="accent1"/>
+          </a:fillRef>
+          <a:effectRef idx="0">
+            <a:schemeClr val="accent1"/>
+          </a:effectRef>
+          <a:fontRef idx="minor">
+            <a:schemeClr val="tx1"/>
+          </a:fontRef>
+        </p:style>
+      </p:cxnSp>
+      <p:cxnSp>
+        <p:nvCxnSpPr>
+          <p:cNvPr id="40" name="肘形接點 39"/>
+          <p:cNvCxnSpPr/>
+          <p:nvPr/>
+        </p:nvCxnSpPr>
+        <p:spPr>
+          <a:xfrm rot="16200000" flipH="1">
+            <a:off x="6953523" y="3611864"/>
+            <a:ext cx="1157814" cy="792088"/>
+          </a:xfrm>
+          <a:prstGeom prst="bentConnector3">
+            <a:avLst/>
+          </a:prstGeom>
+        </p:spPr>
+        <p:style>
+          <a:lnRef idx="1">
+            <a:schemeClr val="accent1"/>
+          </a:lnRef>
+          <a:fillRef idx="0">
+            <a:schemeClr val="accent1"/>
+          </a:fillRef>
+          <a:effectRef idx="0">
+            <a:schemeClr val="accent1"/>
+          </a:effectRef>
+          <a:fontRef idx="minor">
+            <a:schemeClr val="tx1"/>
+          </a:fontRef>
+        </p:style>
+      </p:cxnSp>
+      <p:sp>
+        <p:nvSpPr>
+          <p:cNvPr id="41" name="圓角矩形 40"/>
+          <p:cNvSpPr/>
+          <p:nvPr/>
+        </p:nvSpPr>
+        <p:spPr>
+          <a:xfrm>
+            <a:off x="3904469" y="4126764"/>
+            <a:ext cx="720080" cy="288032"/>
+          </a:xfrm>
+          <a:prstGeom prst="roundRect">
+            <a:avLst/>
+          </a:prstGeom>
+          <a:solidFill>
+            <a:schemeClr val="accent2">
+              <a:lumMod val="20000"/>
+              <a:lumOff val="80000"/>
+            </a:schemeClr>
+          </a:solidFill>
+          <a:ln>
+            <a:solidFill>
+              <a:schemeClr val="accent2">
+                <a:lumMod val="50000"/>
+              </a:schemeClr>
+            </a:solidFill>
+          </a:ln>
+        </p:spPr>
+        <p:style>
+          <a:lnRef idx="2">
+            <a:schemeClr val="accent1">
+              <a:shade val="50000"/>
+            </a:schemeClr>
+          </a:lnRef>
+          <a:fillRef idx="1">
+            <a:schemeClr val="accent1"/>
+          </a:fillRef>
+          <a:effectRef idx="0">
+            <a:schemeClr val="accent1"/>
+          </a:effectRef>
+          <a:fontRef idx="minor">
+            <a:schemeClr val="lt1"/>
+          </a:fontRef>
+        </p:style>
+        <p:txBody>
+          <a:bodyPr rtlCol="0" anchor="ctr"/>
+          <a:lstStyle/>
+          <a:p>
+            <a:pPr algn="ctr"/>
+            <a:r>
+              <a:rPr lang="zh-TW" altLang="en-US" dirty="0" smtClean="0">
+                <a:solidFill>
+                  <a:schemeClr val="accent2">
                     <a:lumMod val="50000"/>
                   </a:schemeClr>
                 </a:solidFill>
               </a:rPr>
-              <a:t>MVC</a:t>
-            </a:r>
-            <a:endParaRPr lang="zh-TW" altLang="en-US" sz="3200" dirty="0">
+              <a:t>刪除</a:t>
+            </a:r>
+            <a:endParaRPr lang="zh-TW" altLang="en-US" dirty="0">
               <a:solidFill>
-                <a:schemeClr val="accent3">
+                <a:schemeClr val="accent2">
                   <a:lumMod val="50000"/>
                 </a:schemeClr>
               </a:solidFill>
@@ -4929,653 +5292,155 @@
           </a:p>
         </p:txBody>
       </p:sp>
+      <p:sp>
+        <p:nvSpPr>
+          <p:cNvPr id="42" name="圓角矩形 41"/>
+          <p:cNvSpPr/>
+          <p:nvPr/>
+        </p:nvSpPr>
+        <p:spPr>
+          <a:xfrm>
+            <a:off x="5781817" y="4138174"/>
+            <a:ext cx="2437992" cy="279648"/>
+          </a:xfrm>
+          <a:prstGeom prst="roundRect">
+            <a:avLst/>
+          </a:prstGeom>
+          <a:solidFill>
+            <a:schemeClr val="accent2">
+              <a:lumMod val="20000"/>
+              <a:lumOff val="80000"/>
+            </a:schemeClr>
+          </a:solidFill>
+          <a:ln>
+            <a:solidFill>
+              <a:schemeClr val="accent2">
+                <a:lumMod val="50000"/>
+              </a:schemeClr>
+            </a:solidFill>
+          </a:ln>
+        </p:spPr>
+        <p:style>
+          <a:lnRef idx="2">
+            <a:schemeClr val="accent1">
+              <a:shade val="50000"/>
+            </a:schemeClr>
+          </a:lnRef>
+          <a:fillRef idx="1">
+            <a:schemeClr val="accent1"/>
+          </a:fillRef>
+          <a:effectRef idx="0">
+            <a:schemeClr val="accent1"/>
+          </a:effectRef>
+          <a:fontRef idx="minor">
+            <a:schemeClr val="lt1"/>
+          </a:fontRef>
+        </p:style>
+        <p:txBody>
+          <a:bodyPr rtlCol="0" anchor="ctr"/>
+          <a:lstStyle/>
+          <a:p>
+            <a:pPr algn="ctr"/>
+            <a:r>
+              <a:rPr lang="zh-TW" altLang="en-US" dirty="0" smtClean="0">
+                <a:solidFill>
+                  <a:schemeClr val="accent2">
+                    <a:lumMod val="50000"/>
+                  </a:schemeClr>
+                </a:solidFill>
+              </a:rPr>
+              <a:t>新增、刪除、修改</a:t>
+            </a:r>
+            <a:endParaRPr lang="zh-TW" altLang="en-US" dirty="0">
+              <a:solidFill>
+                <a:schemeClr val="accent2">
+                  <a:lumMod val="50000"/>
+                </a:schemeClr>
+              </a:solidFill>
+            </a:endParaRPr>
+          </a:p>
+        </p:txBody>
+      </p:sp>
+      <p:cxnSp>
+        <p:nvCxnSpPr>
+          <p:cNvPr id="44" name="肘形接點 43"/>
+          <p:cNvCxnSpPr>
+            <a:stCxn id="3" idx="3"/>
+          </p:cNvCxnSpPr>
+          <p:nvPr/>
+        </p:nvCxnSpPr>
+        <p:spPr>
+          <a:xfrm>
+            <a:off x="3042953" y="2159013"/>
+            <a:ext cx="3695552" cy="261875"/>
+          </a:xfrm>
+          <a:prstGeom prst="bentConnector3">
+            <a:avLst/>
+          </a:prstGeom>
+        </p:spPr>
+        <p:style>
+          <a:lnRef idx="1">
+            <a:schemeClr val="accent1"/>
+          </a:lnRef>
+          <a:fillRef idx="0">
+            <a:schemeClr val="accent1"/>
+          </a:fillRef>
+          <a:effectRef idx="0">
+            <a:schemeClr val="accent1"/>
+          </a:effectRef>
+          <a:fontRef idx="minor">
+            <a:schemeClr val="tx1"/>
+          </a:fontRef>
+        </p:style>
+      </p:cxnSp>
+      <p:sp>
+        <p:nvSpPr>
+          <p:cNvPr id="5" name="右彎箭號 4"/>
+          <p:cNvSpPr/>
+          <p:nvPr/>
+        </p:nvSpPr>
+        <p:spPr>
+          <a:xfrm rot="16200000">
+            <a:off x="1369214" y="4061873"/>
+            <a:ext cx="1925091" cy="2054872"/>
+          </a:xfrm>
+          <a:prstGeom prst="bentArrow">
+            <a:avLst/>
+          </a:prstGeom>
+        </p:spPr>
+        <p:style>
+          <a:lnRef idx="2">
+            <a:schemeClr val="accent5">
+              <a:shade val="50000"/>
+            </a:schemeClr>
+          </a:lnRef>
+          <a:fillRef idx="1">
+            <a:schemeClr val="accent5"/>
+          </a:fillRef>
+          <a:effectRef idx="0">
+            <a:schemeClr val="accent5"/>
+          </a:effectRef>
+          <a:fontRef idx="minor">
+            <a:schemeClr val="lt1"/>
+          </a:fontRef>
+        </p:style>
+        <p:txBody>
+          <a:bodyPr rtlCol="0" anchor="ctr"/>
+          <a:lstStyle/>
+          <a:p>
+            <a:pPr algn="ctr"/>
+            <a:endParaRPr lang="zh-TW" altLang="en-US">
+              <a:solidFill>
+                <a:schemeClr val="tx1"/>
+              </a:solidFill>
+            </a:endParaRPr>
+          </a:p>
+        </p:txBody>
+      </p:sp>
     </p:spTree>
     <p:extLst>
       <p:ext uri="{BB962C8B-B14F-4D97-AF65-F5344CB8AC3E}">
-        <p14:creationId xmlns:p14="http://schemas.microsoft.com/office/powerpoint/2010/main" val="2881834180"/>
-      </p:ext>
-    </p:extLst>
-  </p:cSld>
-  <p:clrMapOvr>
-    <a:masterClrMapping/>
-  </p:clrMapOvr>
-  <p:timing>
-    <p:tnLst>
-      <p:par>
-        <p:cTn id="1" dur="indefinite" restart="never" nodeType="tmRoot"/>
-      </p:par>
-    </p:tnLst>
-  </p:timing>
-</p:sld>
-</file>
-
-<file path=ppt/slides/slide3.xml><?xml version="1.0" encoding="utf-8"?>
-<p:sld xmlns:a="http://schemas.openxmlformats.org/drawingml/2006/main" xmlns:r="http://schemas.openxmlformats.org/officeDocument/2006/relationships" xmlns:p="http://schemas.openxmlformats.org/presentationml/2006/main">
-  <p:cSld>
-    <p:spTree>
-      <p:nvGrpSpPr>
-        <p:cNvPr id="1" name=""/>
-        <p:cNvGrpSpPr/>
-        <p:nvPr/>
-      </p:nvGrpSpPr>
-      <p:grpSpPr>
-        <a:xfrm>
-          <a:off x="0" y="0"/>
-          <a:ext cx="0" cy="0"/>
-          <a:chOff x="0" y="0"/>
-          <a:chExt cx="0" cy="0"/>
-        </a:xfrm>
-      </p:grpSpPr>
-      <p:sp>
-        <p:nvSpPr>
-          <p:cNvPr id="4" name="Title 3"/>
-          <p:cNvSpPr>
-            <a:spLocks noGrp="1"/>
-          </p:cNvSpPr>
-          <p:nvPr>
-            <p:ph type="title"/>
-          </p:nvPr>
-        </p:nvSpPr>
-        <p:spPr/>
-        <p:txBody>
-          <a:bodyPr/>
-          <a:lstStyle/>
-          <a:p>
-            <a:r>
-              <a:rPr lang="en-US" altLang="ko-KR" dirty="0" smtClean="0"/>
-              <a:t> </a:t>
-            </a:r>
-            <a:r>
-              <a:rPr lang="zh-TW" altLang="en-US" dirty="0"/>
-              <a:t>功能介紹</a:t>
-            </a:r>
-            <a:endParaRPr lang="ko-KR" altLang="en-US" dirty="0"/>
-          </a:p>
-        </p:txBody>
-      </p:sp>
-      <p:sp>
-        <p:nvSpPr>
-          <p:cNvPr id="6" name="Content Placeholder 5"/>
-          <p:cNvSpPr>
-            <a:spLocks noGrp="1"/>
-          </p:cNvSpPr>
-          <p:nvPr>
-            <p:ph idx="1"/>
-          </p:nvPr>
-        </p:nvSpPr>
-        <p:spPr>
-          <a:xfrm>
-            <a:off x="1039517" y="1412776"/>
-            <a:ext cx="1224136" cy="518728"/>
-          </a:xfrm>
-        </p:spPr>
-        <p:txBody>
-          <a:bodyPr/>
-          <a:lstStyle/>
-          <a:p>
-            <a:pPr lvl="0"/>
-            <a:r>
-              <a:rPr lang="en-US" altLang="zh-TW" b="1" dirty="0" smtClean="0">
-                <a:solidFill>
-                  <a:schemeClr val="tx1">
-                    <a:lumMod val="75000"/>
-                    <a:lumOff val="25000"/>
-                  </a:schemeClr>
-                </a:solidFill>
-                <a:latin typeface="Arial" pitchFamily="34" charset="0"/>
-                <a:cs typeface="Arial" pitchFamily="34" charset="0"/>
-              </a:rPr>
-              <a:t>USER-</a:t>
-            </a:r>
-            <a:endParaRPr lang="en-US" altLang="ko-KR" b="1" dirty="0">
-              <a:solidFill>
-                <a:schemeClr val="tx1">
-                  <a:lumMod val="75000"/>
-                  <a:lumOff val="25000"/>
-                </a:schemeClr>
-              </a:solidFill>
-              <a:latin typeface="Arial" pitchFamily="34" charset="0"/>
-              <a:cs typeface="Arial" pitchFamily="34" charset="0"/>
-            </a:endParaRPr>
-          </a:p>
-        </p:txBody>
-      </p:sp>
-      <p:sp>
-        <p:nvSpPr>
-          <p:cNvPr id="7" name="Content Placeholder 6"/>
-          <p:cNvSpPr>
-            <a:spLocks noGrp="1"/>
-          </p:cNvSpPr>
-          <p:nvPr>
-            <p:ph idx="10"/>
-          </p:nvPr>
-        </p:nvSpPr>
-        <p:spPr>
-          <a:xfrm>
-            <a:off x="3058137" y="1700808"/>
-            <a:ext cx="3672408" cy="1008112"/>
-          </a:xfrm>
-        </p:spPr>
-        <p:txBody>
-          <a:bodyPr/>
-          <a:lstStyle/>
-          <a:p>
-            <a:pPr marL="285750" indent="-285750">
-              <a:buFont typeface="Arial" pitchFamily="34" charset="0"/>
-              <a:buChar char="•"/>
-            </a:pPr>
-            <a:r>
-              <a:rPr lang="zh-TW" altLang="en-US" dirty="0" smtClean="0">
-                <a:latin typeface="Arial" pitchFamily="34" charset="0"/>
-                <a:cs typeface="Arial" pitchFamily="34" charset="0"/>
-              </a:rPr>
-              <a:t>瀏覽網頁資訊</a:t>
-            </a:r>
-            <a:endParaRPr lang="en-US" altLang="zh-TW" dirty="0" smtClean="0">
-              <a:latin typeface="Arial" pitchFamily="34" charset="0"/>
-              <a:cs typeface="Arial" pitchFamily="34" charset="0"/>
-            </a:endParaRPr>
-          </a:p>
-          <a:p>
-            <a:pPr marL="285750" indent="-285750">
-              <a:buFont typeface="Arial" pitchFamily="34" charset="0"/>
-              <a:buChar char="•"/>
-            </a:pPr>
-            <a:r>
-              <a:rPr lang="zh-TW" altLang="en-US" dirty="0" smtClean="0">
-                <a:latin typeface="Arial" pitchFamily="34" charset="0"/>
-                <a:cs typeface="Arial" pitchFamily="34" charset="0"/>
-              </a:rPr>
-              <a:t>聯絡我們</a:t>
-            </a:r>
-            <a:endParaRPr lang="en-US" altLang="ko-KR" sz="1400" dirty="0">
-              <a:latin typeface="Arial" pitchFamily="34" charset="0"/>
-              <a:cs typeface="Arial" pitchFamily="34" charset="0"/>
-            </a:endParaRPr>
-          </a:p>
-          <a:p>
-            <a:pPr marL="285750" indent="-285750">
-              <a:buFont typeface="Arial" pitchFamily="34" charset="0"/>
-              <a:buChar char="•"/>
-            </a:pPr>
-            <a:r>
-              <a:rPr lang="zh-TW" altLang="en-US" dirty="0" smtClean="0">
-                <a:latin typeface="Arial" pitchFamily="34" charset="0"/>
-                <a:cs typeface="Arial" pitchFamily="34" charset="0"/>
-              </a:rPr>
-              <a:t>電影時刻表查詢</a:t>
-            </a:r>
-            <a:endParaRPr lang="en-US" altLang="ko-KR" dirty="0" smtClean="0">
-              <a:latin typeface="Arial" pitchFamily="34" charset="0"/>
-              <a:cs typeface="Arial" pitchFamily="34" charset="0"/>
-            </a:endParaRPr>
-          </a:p>
-        </p:txBody>
-      </p:sp>
-      <p:sp>
-        <p:nvSpPr>
-          <p:cNvPr id="8" name="Content Placeholder 6"/>
-          <p:cNvSpPr txBox="1">
-            <a:spLocks/>
-          </p:cNvSpPr>
-          <p:nvPr/>
-        </p:nvSpPr>
-        <p:spPr>
-          <a:xfrm>
-            <a:off x="1259632" y="4714084"/>
-            <a:ext cx="3317574" cy="1584176"/>
-          </a:xfrm>
-          <a:prstGeom prst="rect">
-            <a:avLst/>
-          </a:prstGeom>
-        </p:spPr>
-        <p:txBody>
-          <a:bodyPr lIns="396000" anchor="t"/>
-          <a:lstStyle>
-            <a:lvl1pPr marL="0" indent="0" algn="l" defTabSz="914400" rtl="0" eaLnBrk="1" latinLnBrk="1" hangingPunct="1">
-              <a:spcBef>
-                <a:spcPct val="20000"/>
-              </a:spcBef>
-              <a:buFont typeface="Arial" pitchFamily="34" charset="0"/>
-              <a:buNone/>
-              <a:defRPr sz="1400" kern="1200">
-                <a:solidFill>
-                  <a:schemeClr val="tx1">
-                    <a:lumMod val="75000"/>
-                    <a:lumOff val="25000"/>
-                  </a:schemeClr>
-                </a:solidFill>
-                <a:latin typeface="Arial" pitchFamily="34" charset="0"/>
-                <a:ea typeface="+mn-ea"/>
-                <a:cs typeface="Arial" pitchFamily="34" charset="0"/>
-              </a:defRPr>
-            </a:lvl1pPr>
-            <a:lvl2pPr marL="742950" indent="-285750" algn="l" defTabSz="914400" rtl="0" eaLnBrk="1" latinLnBrk="1" hangingPunct="1">
-              <a:spcBef>
-                <a:spcPct val="20000"/>
-              </a:spcBef>
-              <a:buFont typeface="Arial" pitchFamily="34" charset="0"/>
-              <a:buChar char="–"/>
-              <a:defRPr sz="2800" kern="1200">
-                <a:solidFill>
-                  <a:schemeClr val="tx1"/>
-                </a:solidFill>
-                <a:latin typeface="+mn-lt"/>
-                <a:ea typeface="+mn-ea"/>
-                <a:cs typeface="+mn-cs"/>
-              </a:defRPr>
-            </a:lvl2pPr>
-            <a:lvl3pPr marL="1143000" indent="-228600" algn="l" defTabSz="914400" rtl="0" eaLnBrk="1" latinLnBrk="1" hangingPunct="1">
-              <a:spcBef>
-                <a:spcPct val="20000"/>
-              </a:spcBef>
-              <a:buFont typeface="Arial" pitchFamily="34" charset="0"/>
-              <a:buChar char="•"/>
-              <a:defRPr sz="2400" kern="1200">
-                <a:solidFill>
-                  <a:schemeClr val="tx1"/>
-                </a:solidFill>
-                <a:latin typeface="+mn-lt"/>
-                <a:ea typeface="+mn-ea"/>
-                <a:cs typeface="+mn-cs"/>
-              </a:defRPr>
-            </a:lvl3pPr>
-            <a:lvl4pPr marL="1600200" indent="-228600" algn="l" defTabSz="914400" rtl="0" eaLnBrk="1" latinLnBrk="1" hangingPunct="1">
-              <a:spcBef>
-                <a:spcPct val="20000"/>
-              </a:spcBef>
-              <a:buFont typeface="Arial" pitchFamily="34" charset="0"/>
-              <a:buChar char="–"/>
-              <a:defRPr sz="2000" kern="1200">
-                <a:solidFill>
-                  <a:schemeClr val="tx1"/>
-                </a:solidFill>
-                <a:latin typeface="+mn-lt"/>
-                <a:ea typeface="+mn-ea"/>
-                <a:cs typeface="+mn-cs"/>
-              </a:defRPr>
-            </a:lvl4pPr>
-            <a:lvl5pPr marL="2057400" indent="-228600" algn="l" defTabSz="914400" rtl="0" eaLnBrk="1" latinLnBrk="1" hangingPunct="1">
-              <a:spcBef>
-                <a:spcPct val="20000"/>
-              </a:spcBef>
-              <a:buFont typeface="Arial" pitchFamily="34" charset="0"/>
-              <a:buChar char="»"/>
-              <a:defRPr sz="2000" kern="1200">
-                <a:solidFill>
-                  <a:schemeClr val="tx1"/>
-                </a:solidFill>
-                <a:latin typeface="+mn-lt"/>
-                <a:ea typeface="+mn-ea"/>
-                <a:cs typeface="+mn-cs"/>
-              </a:defRPr>
-            </a:lvl5pPr>
-            <a:lvl6pPr marL="2514600" indent="-228600" algn="l" defTabSz="914400" rtl="0" eaLnBrk="1" latinLnBrk="1" hangingPunct="1">
-              <a:spcBef>
-                <a:spcPct val="20000"/>
-              </a:spcBef>
-              <a:buFont typeface="Arial" pitchFamily="34" charset="0"/>
-              <a:buChar char="•"/>
-              <a:defRPr sz="2000" kern="1200">
-                <a:solidFill>
-                  <a:schemeClr val="tx1"/>
-                </a:solidFill>
-                <a:latin typeface="+mn-lt"/>
-                <a:ea typeface="+mn-ea"/>
-                <a:cs typeface="+mn-cs"/>
-              </a:defRPr>
-            </a:lvl6pPr>
-            <a:lvl7pPr marL="2971800" indent="-228600" algn="l" defTabSz="914400" rtl="0" eaLnBrk="1" latinLnBrk="1" hangingPunct="1">
-              <a:spcBef>
-                <a:spcPct val="20000"/>
-              </a:spcBef>
-              <a:buFont typeface="Arial" pitchFamily="34" charset="0"/>
-              <a:buChar char="•"/>
-              <a:defRPr sz="2000" kern="1200">
-                <a:solidFill>
-                  <a:schemeClr val="tx1"/>
-                </a:solidFill>
-                <a:latin typeface="+mn-lt"/>
-                <a:ea typeface="+mn-ea"/>
-                <a:cs typeface="+mn-cs"/>
-              </a:defRPr>
-            </a:lvl7pPr>
-            <a:lvl8pPr marL="3429000" indent="-228600" algn="l" defTabSz="914400" rtl="0" eaLnBrk="1" latinLnBrk="1" hangingPunct="1">
-              <a:spcBef>
-                <a:spcPct val="20000"/>
-              </a:spcBef>
-              <a:buFont typeface="Arial" pitchFamily="34" charset="0"/>
-              <a:buChar char="•"/>
-              <a:defRPr sz="2000" kern="1200">
-                <a:solidFill>
-                  <a:schemeClr val="tx1"/>
-                </a:solidFill>
-                <a:latin typeface="+mn-lt"/>
-                <a:ea typeface="+mn-ea"/>
-                <a:cs typeface="+mn-cs"/>
-              </a:defRPr>
-            </a:lvl8pPr>
-            <a:lvl9pPr marL="3886200" indent="-228600" algn="l" defTabSz="914400" rtl="0" eaLnBrk="1" latinLnBrk="1" hangingPunct="1">
-              <a:spcBef>
-                <a:spcPct val="20000"/>
-              </a:spcBef>
-              <a:buFont typeface="Arial" pitchFamily="34" charset="0"/>
-              <a:buChar char="•"/>
-              <a:defRPr sz="2000" kern="1200">
-                <a:solidFill>
-                  <a:schemeClr val="tx1"/>
-                </a:solidFill>
-                <a:latin typeface="+mn-lt"/>
-                <a:ea typeface="+mn-ea"/>
-                <a:cs typeface="+mn-cs"/>
-              </a:defRPr>
-            </a:lvl9pPr>
-          </a:lstStyle>
-          <a:p>
-            <a:pPr marL="285750" indent="-285750">
-              <a:buFont typeface="Arial" pitchFamily="34" charset="0"/>
-              <a:buChar char="•"/>
-            </a:pPr>
-            <a:r>
-              <a:rPr lang="zh-TW" altLang="en-US" dirty="0" smtClean="0"/>
-              <a:t>管理者登入</a:t>
-            </a:r>
-            <a:r>
-              <a:rPr lang="en-US" altLang="zh-TW" dirty="0" smtClean="0"/>
-              <a:t>SESSION</a:t>
-            </a:r>
-            <a:endParaRPr lang="en-US" altLang="ko-KR" sz="1400" dirty="0" smtClean="0">
-              <a:latin typeface="Arial" pitchFamily="34" charset="0"/>
-              <a:cs typeface="Arial" pitchFamily="34" charset="0"/>
-            </a:endParaRPr>
-          </a:p>
-          <a:p>
-            <a:pPr marL="285750" indent="-285750">
-              <a:buFont typeface="Arial" pitchFamily="34" charset="0"/>
-              <a:buChar char="•"/>
-            </a:pPr>
-            <a:r>
-              <a:rPr lang="zh-TW" altLang="en-US" dirty="0" smtClean="0"/>
-              <a:t>電影時刻表新增、刪除、修改</a:t>
-            </a:r>
-            <a:endParaRPr lang="en-US" altLang="zh-TW" dirty="0" smtClean="0"/>
-          </a:p>
-          <a:p>
-            <a:pPr marL="285750" indent="-285750">
-              <a:buFont typeface="Arial" pitchFamily="34" charset="0"/>
-              <a:buChar char="•"/>
-            </a:pPr>
-            <a:r>
-              <a:rPr lang="zh-TW" altLang="en-US" dirty="0"/>
-              <a:t>電影</a:t>
-            </a:r>
-            <a:r>
-              <a:rPr lang="zh-TW" altLang="en-US" dirty="0" smtClean="0"/>
-              <a:t>資訊</a:t>
-            </a:r>
-            <a:r>
-              <a:rPr lang="zh-TW" altLang="en-US" dirty="0"/>
-              <a:t>新增、刪除、修改</a:t>
-            </a:r>
-            <a:endParaRPr lang="en-US" altLang="zh-TW" dirty="0"/>
-          </a:p>
-          <a:p>
-            <a:endParaRPr lang="en-US" altLang="ko-KR" dirty="0" smtClean="0"/>
-          </a:p>
-        </p:txBody>
-      </p:sp>
-      <p:pic>
-        <p:nvPicPr>
-          <p:cNvPr id="3" name="圖片 2"/>
-          <p:cNvPicPr>
-            <a:picLocks noChangeAspect="1"/>
-          </p:cNvPicPr>
-          <p:nvPr/>
-        </p:nvPicPr>
-        <p:blipFill>
-          <a:blip r:embed="rId2">
-            <a:clrChange>
-              <a:clrFrom>
-                <a:srgbClr val="F7F7F7"/>
-              </a:clrFrom>
-              <a:clrTo>
-                <a:srgbClr val="F7F7F7">
-                  <a:alpha val="0"/>
-                </a:srgbClr>
-              </a:clrTo>
-            </a:clrChange>
-            <a:extLst>
-              <a:ext uri="{28A0092B-C50C-407E-A947-70E740481C1C}">
-                <a14:useLocalDpi xmlns:a14="http://schemas.microsoft.com/office/drawing/2010/main" val="0"/>
-              </a:ext>
-            </a:extLst>
-          </a:blip>
-          <a:stretch>
-            <a:fillRect/>
-          </a:stretch>
-        </p:blipFill>
-        <p:spPr>
-          <a:xfrm>
-            <a:off x="1907704" y="2085020"/>
-            <a:ext cx="1150433" cy="1889398"/>
-          </a:xfrm>
-          <a:prstGeom prst="rect">
-            <a:avLst/>
-          </a:prstGeom>
-        </p:spPr>
-      </p:pic>
-      <p:pic>
-        <p:nvPicPr>
-          <p:cNvPr id="9" name="圖片 8"/>
-          <p:cNvPicPr>
-            <a:picLocks noChangeAspect="1"/>
-          </p:cNvPicPr>
-          <p:nvPr/>
-        </p:nvPicPr>
-        <p:blipFill>
-          <a:blip r:embed="rId3" cstate="print">
-            <a:clrChange>
-              <a:clrFrom>
-                <a:srgbClr val="FFFFFF"/>
-              </a:clrFrom>
-              <a:clrTo>
-                <a:srgbClr val="FFFFFF">
-                  <a:alpha val="0"/>
-                </a:srgbClr>
-              </a:clrTo>
-            </a:clrChange>
-            <a:extLst>
-              <a:ext uri="{28A0092B-C50C-407E-A947-70E740481C1C}">
-                <a14:useLocalDpi xmlns:a14="http://schemas.microsoft.com/office/drawing/2010/main" val="0"/>
-              </a:ext>
-            </a:extLst>
-          </a:blip>
-          <a:stretch>
-            <a:fillRect/>
-          </a:stretch>
-        </p:blipFill>
-        <p:spPr>
-          <a:xfrm>
-            <a:off x="5940152" y="4642076"/>
-            <a:ext cx="987552" cy="1606296"/>
-          </a:xfrm>
-          <a:prstGeom prst="rect">
-            <a:avLst/>
-          </a:prstGeom>
-        </p:spPr>
-      </p:pic>
-      <p:sp>
-        <p:nvSpPr>
-          <p:cNvPr id="5" name="Content Placeholder 5"/>
-          <p:cNvSpPr txBox="1">
-            <a:spLocks/>
-          </p:cNvSpPr>
-          <p:nvPr/>
-        </p:nvSpPr>
-        <p:spPr>
-          <a:xfrm>
-            <a:off x="6433928" y="5506172"/>
-            <a:ext cx="1514128" cy="460648"/>
-          </a:xfrm>
-          <a:prstGeom prst="rect">
-            <a:avLst/>
-          </a:prstGeom>
-        </p:spPr>
-        <p:txBody>
-          <a:bodyPr anchor="ctr"/>
-          <a:lstStyle>
-            <a:lvl1pPr marL="0" indent="0" algn="l" defTabSz="914400" rtl="0" eaLnBrk="1" latinLnBrk="1" hangingPunct="1">
-              <a:spcBef>
-                <a:spcPct val="20000"/>
-              </a:spcBef>
-              <a:buFont typeface="Arial" pitchFamily="34" charset="0"/>
-              <a:buNone/>
-              <a:defRPr sz="2000" kern="1200">
-                <a:solidFill>
-                  <a:schemeClr val="tx1">
-                    <a:lumMod val="75000"/>
-                    <a:lumOff val="25000"/>
-                  </a:schemeClr>
-                </a:solidFill>
-                <a:latin typeface="Arial" pitchFamily="34" charset="0"/>
-                <a:ea typeface="+mn-ea"/>
-                <a:cs typeface="Arial" pitchFamily="34" charset="0"/>
-              </a:defRPr>
-            </a:lvl1pPr>
-            <a:lvl2pPr marL="742950" indent="-285750" algn="l" defTabSz="914400" rtl="0" eaLnBrk="1" latinLnBrk="1" hangingPunct="1">
-              <a:spcBef>
-                <a:spcPct val="20000"/>
-              </a:spcBef>
-              <a:buFont typeface="Arial" pitchFamily="34" charset="0"/>
-              <a:buChar char="–"/>
-              <a:defRPr sz="2800" kern="1200">
-                <a:solidFill>
-                  <a:schemeClr val="tx1"/>
-                </a:solidFill>
-                <a:latin typeface="+mn-lt"/>
-                <a:ea typeface="+mn-ea"/>
-                <a:cs typeface="+mn-cs"/>
-              </a:defRPr>
-            </a:lvl2pPr>
-            <a:lvl3pPr marL="1143000" indent="-228600" algn="l" defTabSz="914400" rtl="0" eaLnBrk="1" latinLnBrk="1" hangingPunct="1">
-              <a:spcBef>
-                <a:spcPct val="20000"/>
-              </a:spcBef>
-              <a:buFont typeface="Arial" pitchFamily="34" charset="0"/>
-              <a:buChar char="•"/>
-              <a:defRPr sz="2400" kern="1200">
-                <a:solidFill>
-                  <a:schemeClr val="tx1"/>
-                </a:solidFill>
-                <a:latin typeface="+mn-lt"/>
-                <a:ea typeface="+mn-ea"/>
-                <a:cs typeface="+mn-cs"/>
-              </a:defRPr>
-            </a:lvl3pPr>
-            <a:lvl4pPr marL="1600200" indent="-228600" algn="l" defTabSz="914400" rtl="0" eaLnBrk="1" latinLnBrk="1" hangingPunct="1">
-              <a:spcBef>
-                <a:spcPct val="20000"/>
-              </a:spcBef>
-              <a:buFont typeface="Arial" pitchFamily="34" charset="0"/>
-              <a:buChar char="–"/>
-              <a:defRPr sz="2000" kern="1200">
-                <a:solidFill>
-                  <a:schemeClr val="tx1"/>
-                </a:solidFill>
-                <a:latin typeface="+mn-lt"/>
-                <a:ea typeface="+mn-ea"/>
-                <a:cs typeface="+mn-cs"/>
-              </a:defRPr>
-            </a:lvl4pPr>
-            <a:lvl5pPr marL="2057400" indent="-228600" algn="l" defTabSz="914400" rtl="0" eaLnBrk="1" latinLnBrk="1" hangingPunct="1">
-              <a:spcBef>
-                <a:spcPct val="20000"/>
-              </a:spcBef>
-              <a:buFont typeface="Arial" pitchFamily="34" charset="0"/>
-              <a:buChar char="»"/>
-              <a:defRPr sz="2000" kern="1200">
-                <a:solidFill>
-                  <a:schemeClr val="tx1"/>
-                </a:solidFill>
-                <a:latin typeface="+mn-lt"/>
-                <a:ea typeface="+mn-ea"/>
-                <a:cs typeface="+mn-cs"/>
-              </a:defRPr>
-            </a:lvl5pPr>
-            <a:lvl6pPr marL="2514600" indent="-228600" algn="l" defTabSz="914400" rtl="0" eaLnBrk="1" latinLnBrk="1" hangingPunct="1">
-              <a:spcBef>
-                <a:spcPct val="20000"/>
-              </a:spcBef>
-              <a:buFont typeface="Arial" pitchFamily="34" charset="0"/>
-              <a:buChar char="•"/>
-              <a:defRPr sz="2000" kern="1200">
-                <a:solidFill>
-                  <a:schemeClr val="tx1"/>
-                </a:solidFill>
-                <a:latin typeface="+mn-lt"/>
-                <a:ea typeface="+mn-ea"/>
-                <a:cs typeface="+mn-cs"/>
-              </a:defRPr>
-            </a:lvl6pPr>
-            <a:lvl7pPr marL="2971800" indent="-228600" algn="l" defTabSz="914400" rtl="0" eaLnBrk="1" latinLnBrk="1" hangingPunct="1">
-              <a:spcBef>
-                <a:spcPct val="20000"/>
-              </a:spcBef>
-              <a:buFont typeface="Arial" pitchFamily="34" charset="0"/>
-              <a:buChar char="•"/>
-              <a:defRPr sz="2000" kern="1200">
-                <a:solidFill>
-                  <a:schemeClr val="tx1"/>
-                </a:solidFill>
-                <a:latin typeface="+mn-lt"/>
-                <a:ea typeface="+mn-ea"/>
-                <a:cs typeface="+mn-cs"/>
-              </a:defRPr>
-            </a:lvl7pPr>
-            <a:lvl8pPr marL="3429000" indent="-228600" algn="l" defTabSz="914400" rtl="0" eaLnBrk="1" latinLnBrk="1" hangingPunct="1">
-              <a:spcBef>
-                <a:spcPct val="20000"/>
-              </a:spcBef>
-              <a:buFont typeface="Arial" pitchFamily="34" charset="0"/>
-              <a:buChar char="•"/>
-              <a:defRPr sz="2000" kern="1200">
-                <a:solidFill>
-                  <a:schemeClr val="tx1"/>
-                </a:solidFill>
-                <a:latin typeface="+mn-lt"/>
-                <a:ea typeface="+mn-ea"/>
-                <a:cs typeface="+mn-cs"/>
-              </a:defRPr>
-            </a:lvl8pPr>
-            <a:lvl9pPr marL="3886200" indent="-228600" algn="l" defTabSz="914400" rtl="0" eaLnBrk="1" latinLnBrk="1" hangingPunct="1">
-              <a:spcBef>
-                <a:spcPct val="20000"/>
-              </a:spcBef>
-              <a:buFont typeface="Arial" pitchFamily="34" charset="0"/>
-              <a:buChar char="•"/>
-              <a:defRPr sz="2000" kern="1200">
-                <a:solidFill>
-                  <a:schemeClr val="tx1"/>
-                </a:solidFill>
-                <a:latin typeface="+mn-lt"/>
-                <a:ea typeface="+mn-ea"/>
-                <a:cs typeface="+mn-cs"/>
-              </a:defRPr>
-            </a:lvl9pPr>
-          </a:lstStyle>
-          <a:p>
-            <a:r>
-              <a:rPr lang="en-US" altLang="zh-TW" b="1" dirty="0" smtClean="0"/>
-              <a:t>MANAGE-</a:t>
-            </a:r>
-            <a:endParaRPr lang="en-US" altLang="ko-KR" b="1" dirty="0"/>
-          </a:p>
-        </p:txBody>
-      </p:sp>
-    </p:spTree>
-    <p:extLst>
-      <p:ext uri="{BB962C8B-B14F-4D97-AF65-F5344CB8AC3E}">
-        <p14:creationId xmlns:p14="http://schemas.microsoft.com/office/powerpoint/2010/main" val="891763176"/>
+        <p14:creationId xmlns:p14="http://schemas.microsoft.com/office/powerpoint/2010/main" val="3659674305"/>
       </p:ext>
     </p:extLst>
   </p:cSld>
@@ -5603,7 +5468,7 @@
                             </p:stCondLst>
                             <p:childTnLst>
                               <p:par>
-                                <p:cTn id="5" presetID="10" presetClass="entr" presetSubtype="0" fill="hold" grpId="0" nodeType="clickEffect">
+                                <p:cTn id="5" presetID="22" presetClass="entr" presetSubtype="4" fill="hold" grpId="0" nodeType="clickEffect">
                                   <p:stCondLst>
                                     <p:cond delay="0"/>
                                   </p:stCondLst>
@@ -5616,11 +5481,7 @@
                                           </p:stCondLst>
                                         </p:cTn>
                                         <p:tgtEl>
-                                          <p:spTgt spid="7">
-                                            <p:txEl>
-                                              <p:pRg st="0" end="0"/>
-                                            </p:txEl>
-                                          </p:spTgt>
+                                          <p:spTgt spid="5"/>
                                         </p:tgtEl>
                                         <p:attrNameLst>
                                           <p:attrName>style.visibility</p:attrName>
@@ -5630,284 +5491,11 @@
                                         <p:strVal val="visible"/>
                                       </p:to>
                                     </p:set>
-                                    <p:animEffect transition="in" filter="fade">
+                                    <p:animEffect transition="in" filter="wipe(down)">
                                       <p:cBhvr>
                                         <p:cTn id="7" dur="500"/>
                                         <p:tgtEl>
-                                          <p:spTgt spid="7">
-                                            <p:txEl>
-                                              <p:pRg st="0" end="0"/>
-                                            </p:txEl>
-                                          </p:spTgt>
-                                        </p:tgtEl>
-                                      </p:cBhvr>
-                                    </p:animEffect>
-                                  </p:childTnLst>
-                                </p:cTn>
-                              </p:par>
-                            </p:childTnLst>
-                          </p:cTn>
-                        </p:par>
-                      </p:childTnLst>
-                    </p:cTn>
-                  </p:par>
-                  <p:par>
-                    <p:cTn id="8" fill="hold">
-                      <p:stCondLst>
-                        <p:cond delay="indefinite"/>
-                      </p:stCondLst>
-                      <p:childTnLst>
-                        <p:par>
-                          <p:cTn id="9" fill="hold">
-                            <p:stCondLst>
-                              <p:cond delay="0"/>
-                            </p:stCondLst>
-                            <p:childTnLst>
-                              <p:par>
-                                <p:cTn id="10" presetID="10" presetClass="entr" presetSubtype="0" fill="hold" grpId="0" nodeType="clickEffect">
-                                  <p:stCondLst>
-                                    <p:cond delay="0"/>
-                                  </p:stCondLst>
-                                  <p:childTnLst>
-                                    <p:set>
-                                      <p:cBhvr>
-                                        <p:cTn id="11" dur="1" fill="hold">
-                                          <p:stCondLst>
-                                            <p:cond delay="0"/>
-                                          </p:stCondLst>
-                                        </p:cTn>
-                                        <p:tgtEl>
-                                          <p:spTgt spid="7">
-                                            <p:txEl>
-                                              <p:pRg st="1" end="1"/>
-                                            </p:txEl>
-                                          </p:spTgt>
-                                        </p:tgtEl>
-                                        <p:attrNameLst>
-                                          <p:attrName>style.visibility</p:attrName>
-                                        </p:attrNameLst>
-                                      </p:cBhvr>
-                                      <p:to>
-                                        <p:strVal val="visible"/>
-                                      </p:to>
-                                    </p:set>
-                                    <p:animEffect transition="in" filter="fade">
-                                      <p:cBhvr>
-                                        <p:cTn id="12" dur="500"/>
-                                        <p:tgtEl>
-                                          <p:spTgt spid="7">
-                                            <p:txEl>
-                                              <p:pRg st="1" end="1"/>
-                                            </p:txEl>
-                                          </p:spTgt>
-                                        </p:tgtEl>
-                                      </p:cBhvr>
-                                    </p:animEffect>
-                                  </p:childTnLst>
-                                </p:cTn>
-                              </p:par>
-                            </p:childTnLst>
-                          </p:cTn>
-                        </p:par>
-                      </p:childTnLst>
-                    </p:cTn>
-                  </p:par>
-                  <p:par>
-                    <p:cTn id="13" fill="hold">
-                      <p:stCondLst>
-                        <p:cond delay="indefinite"/>
-                      </p:stCondLst>
-                      <p:childTnLst>
-                        <p:par>
-                          <p:cTn id="14" fill="hold">
-                            <p:stCondLst>
-                              <p:cond delay="0"/>
-                            </p:stCondLst>
-                            <p:childTnLst>
-                              <p:par>
-                                <p:cTn id="15" presetID="10" presetClass="entr" presetSubtype="0" fill="hold" grpId="0" nodeType="clickEffect">
-                                  <p:stCondLst>
-                                    <p:cond delay="0"/>
-                                  </p:stCondLst>
-                                  <p:childTnLst>
-                                    <p:set>
-                                      <p:cBhvr>
-                                        <p:cTn id="16" dur="1" fill="hold">
-                                          <p:stCondLst>
-                                            <p:cond delay="0"/>
-                                          </p:stCondLst>
-                                        </p:cTn>
-                                        <p:tgtEl>
-                                          <p:spTgt spid="7">
-                                            <p:txEl>
-                                              <p:pRg st="2" end="2"/>
-                                            </p:txEl>
-                                          </p:spTgt>
-                                        </p:tgtEl>
-                                        <p:attrNameLst>
-                                          <p:attrName>style.visibility</p:attrName>
-                                        </p:attrNameLst>
-                                      </p:cBhvr>
-                                      <p:to>
-                                        <p:strVal val="visible"/>
-                                      </p:to>
-                                    </p:set>
-                                    <p:animEffect transition="in" filter="fade">
-                                      <p:cBhvr>
-                                        <p:cTn id="17" dur="500"/>
-                                        <p:tgtEl>
-                                          <p:spTgt spid="7">
-                                            <p:txEl>
-                                              <p:pRg st="2" end="2"/>
-                                            </p:txEl>
-                                          </p:spTgt>
-                                        </p:tgtEl>
-                                      </p:cBhvr>
-                                    </p:animEffect>
-                                  </p:childTnLst>
-                                </p:cTn>
-                              </p:par>
-                            </p:childTnLst>
-                          </p:cTn>
-                        </p:par>
-                      </p:childTnLst>
-                    </p:cTn>
-                  </p:par>
-                  <p:par>
-                    <p:cTn id="18" fill="hold">
-                      <p:stCondLst>
-                        <p:cond delay="indefinite"/>
-                      </p:stCondLst>
-                      <p:childTnLst>
-                        <p:par>
-                          <p:cTn id="19" fill="hold">
-                            <p:stCondLst>
-                              <p:cond delay="0"/>
-                            </p:stCondLst>
-                            <p:childTnLst>
-                              <p:par>
-                                <p:cTn id="20" presetID="10" presetClass="entr" presetSubtype="0" fill="hold" nodeType="clickEffect">
-                                  <p:stCondLst>
-                                    <p:cond delay="0"/>
-                                  </p:stCondLst>
-                                  <p:childTnLst>
-                                    <p:set>
-                                      <p:cBhvr>
-                                        <p:cTn id="21" dur="1" fill="hold">
-                                          <p:stCondLst>
-                                            <p:cond delay="0"/>
-                                          </p:stCondLst>
-                                        </p:cTn>
-                                        <p:tgtEl>
-                                          <p:spTgt spid="8">
-                                            <p:txEl>
-                                              <p:pRg st="0" end="0"/>
-                                            </p:txEl>
-                                          </p:spTgt>
-                                        </p:tgtEl>
-                                        <p:attrNameLst>
-                                          <p:attrName>style.visibility</p:attrName>
-                                        </p:attrNameLst>
-                                      </p:cBhvr>
-                                      <p:to>
-                                        <p:strVal val="visible"/>
-                                      </p:to>
-                                    </p:set>
-                                    <p:animEffect transition="in" filter="fade">
-                                      <p:cBhvr>
-                                        <p:cTn id="22" dur="500"/>
-                                        <p:tgtEl>
-                                          <p:spTgt spid="8">
-                                            <p:txEl>
-                                              <p:pRg st="0" end="0"/>
-                                            </p:txEl>
-                                          </p:spTgt>
-                                        </p:tgtEl>
-                                      </p:cBhvr>
-                                    </p:animEffect>
-                                  </p:childTnLst>
-                                </p:cTn>
-                              </p:par>
-                              <p:par>
-                                <p:cTn id="23" presetID="10" presetClass="entr" presetSubtype="0" fill="hold" nodeType="withEffect">
-                                  <p:stCondLst>
-                                    <p:cond delay="0"/>
-                                  </p:stCondLst>
-                                  <p:childTnLst>
-                                    <p:set>
-                                      <p:cBhvr>
-                                        <p:cTn id="24" dur="1" fill="hold">
-                                          <p:stCondLst>
-                                            <p:cond delay="0"/>
-                                          </p:stCondLst>
-                                        </p:cTn>
-                                        <p:tgtEl>
-                                          <p:spTgt spid="8">
-                                            <p:txEl>
-                                              <p:pRg st="1" end="1"/>
-                                            </p:txEl>
-                                          </p:spTgt>
-                                        </p:tgtEl>
-                                        <p:attrNameLst>
-                                          <p:attrName>style.visibility</p:attrName>
-                                        </p:attrNameLst>
-                                      </p:cBhvr>
-                                      <p:to>
-                                        <p:strVal val="visible"/>
-                                      </p:to>
-                                    </p:set>
-                                    <p:animEffect transition="in" filter="fade">
-                                      <p:cBhvr>
-                                        <p:cTn id="25" dur="500"/>
-                                        <p:tgtEl>
-                                          <p:spTgt spid="8">
-                                            <p:txEl>
-                                              <p:pRg st="1" end="1"/>
-                                            </p:txEl>
-                                          </p:spTgt>
-                                        </p:tgtEl>
-                                      </p:cBhvr>
-                                    </p:animEffect>
-                                  </p:childTnLst>
-                                </p:cTn>
-                              </p:par>
-                              <p:par>
-                                <p:cTn id="26" presetID="10" presetClass="entr" presetSubtype="0" fill="hold" nodeType="withEffect">
-                                  <p:stCondLst>
-                                    <p:cond delay="0"/>
-                                  </p:stCondLst>
-                                  <p:childTnLst>
-                                    <p:set>
-                                      <p:cBhvr>
-                                        <p:cTn id="27" dur="1" fill="hold">
-                                          <p:stCondLst>
-                                            <p:cond delay="0"/>
-                                          </p:stCondLst>
-                                        </p:cTn>
-                                        <p:tgtEl>
-                                          <p:spTgt spid="8">
-                                            <p:txEl>
-                                              <p:pRg st="2" end="2"/>
-                                            </p:txEl>
-                                          </p:spTgt>
-                                        </p:tgtEl>
-                                        <p:attrNameLst>
-                                          <p:attrName>style.visibility</p:attrName>
-                                        </p:attrNameLst>
-                                      </p:cBhvr>
-                                      <p:to>
-                                        <p:strVal val="visible"/>
-                                      </p:to>
-                                    </p:set>
-                                    <p:animEffect transition="in" filter="fade">
-                                      <p:cBhvr>
-                                        <p:cTn id="28" dur="500"/>
-                                        <p:tgtEl>
-                                          <p:spTgt spid="8">
-                                            <p:txEl>
-                                              <p:pRg st="2" end="2"/>
-                                            </p:txEl>
-                                          </p:spTgt>
+                                          <p:spTgt spid="5"/>
                                         </p:tgtEl>
                                       </p:cBhvr>
                                     </p:animEffect>
@@ -5942,13 +5530,13 @@
       </p:par>
     </p:tnLst>
     <p:bldLst>
-      <p:bldP spid="7" grpId="0" uiExpand="1" build="p"/>
+      <p:bldP spid="5" grpId="0" animBg="1"/>
     </p:bldLst>
   </p:timing>
 </p:sld>
 </file>
 
-<file path=ppt/slides/slide4.xml><?xml version="1.0" encoding="utf-8"?>
+<file path=ppt/slides/slide3.xml><?xml version="1.0" encoding="utf-8"?>
 <p:sld xmlns:a="http://schemas.openxmlformats.org/drawingml/2006/main" xmlns:r="http://schemas.openxmlformats.org/officeDocument/2006/relationships" xmlns:p="http://schemas.openxmlformats.org/presentationml/2006/main">
   <p:cSld>
     <p:spTree>
@@ -5967,7 +5555,7 @@
       </p:grpSpPr>
       <p:sp>
         <p:nvSpPr>
-          <p:cNvPr id="4" name="Title 3"/>
+          <p:cNvPr id="2" name="標題 1"/>
           <p:cNvSpPr>
             <a:spLocks noGrp="1"/>
           </p:cNvSpPr>
@@ -5981,68 +5569,66 @@
           <a:lstStyle/>
           <a:p>
             <a:r>
-              <a:rPr lang="en-US" altLang="ko-KR" dirty="0" smtClean="0"/>
-              <a:t> </a:t>
-            </a:r>
-            <a:endParaRPr lang="ko-KR" altLang="en-US" dirty="0"/>
-          </a:p>
-        </p:txBody>
-      </p:sp>
-      <p:pic>
-        <p:nvPicPr>
-          <p:cNvPr id="2" name="內容版面配置區 1"/>
-          <p:cNvPicPr>
-            <a:picLocks noGrp="1" noChangeAspect="1"/>
-          </p:cNvPicPr>
+              <a:rPr lang="zh-TW" altLang="en-US" dirty="0" smtClean="0"/>
+              <a:t>使用的技術與語言</a:t>
+            </a:r>
+            <a:endParaRPr lang="zh-TW" altLang="en-US" dirty="0"/>
+          </a:p>
+        </p:txBody>
+      </p:sp>
+      <p:sp>
+        <p:nvSpPr>
+          <p:cNvPr id="4" name="內容版面配置區 3"/>
+          <p:cNvSpPr>
+            <a:spLocks noGrp="1"/>
+          </p:cNvSpPr>
           <p:nvPr>
-            <p:ph idx="1"/>
+            <p:ph idx="10"/>
           </p:nvPr>
-        </p:nvPicPr>
-        <p:blipFill>
-          <a:blip r:embed="rId2" cstate="print">
-            <a:extLst>
-              <a:ext uri="{28A0092B-C50C-407E-A947-70E740481C1C}">
-                <a14:useLocalDpi xmlns:a14="http://schemas.microsoft.com/office/drawing/2010/main" val="0"/>
-              </a:ext>
-            </a:extLst>
-          </a:blip>
-          <a:stretch>
-            <a:fillRect/>
-          </a:stretch>
-        </p:blipFill>
-        <p:spPr>
-          <a:xfrm>
-            <a:off x="2286869" y="476672"/>
-            <a:ext cx="576064" cy="946091"/>
-          </a:xfrm>
-        </p:spPr>
-      </p:pic>
-      <p:sp>
-        <p:nvSpPr>
-          <p:cNvPr id="3" name="圓角矩形 2"/>
+        </p:nvSpPr>
+        <p:spPr/>
+        <p:txBody>
+          <a:bodyPr/>
+          <a:lstStyle/>
+          <a:p>
+            <a:r>
+              <a:rPr lang="en-US" altLang="zh-TW" dirty="0" smtClean="0"/>
+              <a:t>		</a:t>
+            </a:r>
+            <a:endParaRPr lang="zh-TW" altLang="en-US" dirty="0"/>
+          </a:p>
+        </p:txBody>
+      </p:sp>
+      <p:sp>
+        <p:nvSpPr>
+          <p:cNvPr id="11" name="六邊形 10"/>
           <p:cNvSpPr/>
           <p:nvPr/>
         </p:nvSpPr>
         <p:spPr>
           <a:xfrm>
-            <a:off x="2106849" y="1834977"/>
-            <a:ext cx="936104" cy="648072"/>
-          </a:xfrm>
-          <a:prstGeom prst="roundRect">
+            <a:off x="1811100" y="2223300"/>
+            <a:ext cx="1752788" cy="1511024"/>
+          </a:xfrm>
+          <a:prstGeom prst="hexagon">
             <a:avLst/>
           </a:prstGeom>
-          <a:solidFill>
-            <a:schemeClr val="accent3">
-              <a:lumMod val="60000"/>
-              <a:lumOff val="40000"/>
-            </a:schemeClr>
-          </a:solidFill>
+          <a:blipFill dpi="0" rotWithShape="1">
+            <a:blip r:embed="rId2" cstate="print">
+              <a:extLst>
+                <a:ext uri="{28A0092B-C50C-407E-A947-70E740481C1C}">
+                  <a14:useLocalDpi xmlns:a14="http://schemas.microsoft.com/office/drawing/2010/main" val="0"/>
+                </a:ext>
+              </a:extLst>
+            </a:blip>
+            <a:srcRect/>
+            <a:stretch>
+              <a:fillRect/>
+            </a:stretch>
+          </a:blipFill>
           <a:ln>
             <a:solidFill>
-              <a:schemeClr val="accent3">
-                <a:lumMod val="20000"/>
-                <a:lumOff val="80000"/>
-              </a:schemeClr>
+              <a:schemeClr val="accent3"/>
             </a:solidFill>
           </a:ln>
         </p:spPr>
@@ -6067,48 +5653,40 @@
           <a:lstStyle/>
           <a:p>
             <a:pPr algn="ctr"/>
-            <a:r>
-              <a:rPr lang="zh-TW" altLang="en-US" dirty="0" smtClean="0">
-                <a:solidFill>
-                  <a:schemeClr val="tx1"/>
-                </a:solidFill>
-              </a:rPr>
-              <a:t>首頁</a:t>
-            </a:r>
-            <a:endParaRPr lang="zh-TW" altLang="en-US" dirty="0">
-              <a:solidFill>
-                <a:schemeClr val="tx1"/>
-              </a:solidFill>
-            </a:endParaRPr>
-          </a:p>
-        </p:txBody>
-      </p:sp>
-      <p:sp>
-        <p:nvSpPr>
-          <p:cNvPr id="7" name="圓角矩形 6"/>
+            <a:endParaRPr lang="zh-TW" altLang="en-US"/>
+          </a:p>
+        </p:txBody>
+      </p:sp>
+      <p:sp>
+        <p:nvSpPr>
+          <p:cNvPr id="16" name="六邊形 15"/>
           <p:cNvSpPr/>
           <p:nvPr/>
         </p:nvSpPr>
         <p:spPr>
           <a:xfrm>
-            <a:off x="2130996" y="2852936"/>
-            <a:ext cx="1188132" cy="648072"/>
-          </a:xfrm>
-          <a:prstGeom prst="roundRect">
+            <a:off x="3347864" y="3068960"/>
+            <a:ext cx="1752788" cy="1511024"/>
+          </a:xfrm>
+          <a:prstGeom prst="hexagon">
             <a:avLst/>
           </a:prstGeom>
-          <a:solidFill>
-            <a:schemeClr val="accent3">
-              <a:lumMod val="60000"/>
-              <a:lumOff val="40000"/>
-            </a:schemeClr>
-          </a:solidFill>
+          <a:blipFill dpi="0" rotWithShape="1">
+            <a:blip r:embed="rId3">
+              <a:extLst>
+                <a:ext uri="{28A0092B-C50C-407E-A947-70E740481C1C}">
+                  <a14:useLocalDpi xmlns:a14="http://schemas.microsoft.com/office/drawing/2010/main" val="0"/>
+                </a:ext>
+              </a:extLst>
+            </a:blip>
+            <a:srcRect/>
+            <a:stretch>
+              <a:fillRect/>
+            </a:stretch>
+          </a:blipFill>
           <a:ln>
             <a:solidFill>
-              <a:schemeClr val="accent3">
-                <a:lumMod val="20000"/>
-                <a:lumOff val="80000"/>
-              </a:schemeClr>
+              <a:schemeClr val="accent3"/>
             </a:solidFill>
           </a:ln>
         </p:spPr>
@@ -6133,43 +5711,40 @@
           <a:lstStyle/>
           <a:p>
             <a:pPr algn="ctr"/>
-            <a:r>
-              <a:rPr lang="zh-TW" altLang="en-US" dirty="0">
-                <a:solidFill>
-                  <a:schemeClr val="tx1"/>
-                </a:solidFill>
-              </a:rPr>
-              <a:t>電影資訊</a:t>
-            </a:r>
-          </a:p>
-        </p:txBody>
-      </p:sp>
-      <p:sp>
-        <p:nvSpPr>
-          <p:cNvPr id="9" name="圓角矩形 8"/>
+            <a:endParaRPr lang="zh-TW" altLang="en-US"/>
+          </a:p>
+        </p:txBody>
+      </p:sp>
+      <p:sp>
+        <p:nvSpPr>
+          <p:cNvPr id="19" name="六邊形 18"/>
           <p:cNvSpPr/>
           <p:nvPr/>
         </p:nvSpPr>
         <p:spPr>
           <a:xfrm>
-            <a:off x="3495632" y="2868563"/>
-            <a:ext cx="1599102" cy="648072"/>
-          </a:xfrm>
-          <a:prstGeom prst="roundRect">
+            <a:off x="4907444" y="2257439"/>
+            <a:ext cx="1752788" cy="1511024"/>
+          </a:xfrm>
+          <a:prstGeom prst="hexagon">
             <a:avLst/>
           </a:prstGeom>
-          <a:solidFill>
-            <a:schemeClr val="accent3">
-              <a:lumMod val="60000"/>
-              <a:lumOff val="40000"/>
-            </a:schemeClr>
-          </a:solidFill>
+          <a:blipFill dpi="0" rotWithShape="1">
+            <a:blip r:embed="rId4">
+              <a:extLst>
+                <a:ext uri="{28A0092B-C50C-407E-A947-70E740481C1C}">
+                  <a14:useLocalDpi xmlns:a14="http://schemas.microsoft.com/office/drawing/2010/main" val="0"/>
+                </a:ext>
+              </a:extLst>
+            </a:blip>
+            <a:srcRect/>
+            <a:stretch>
+              <a:fillRect/>
+            </a:stretch>
+          </a:blipFill>
           <a:ln>
             <a:solidFill>
-              <a:schemeClr val="accent3">
-                <a:lumMod val="20000"/>
-                <a:lumOff val="80000"/>
-              </a:schemeClr>
+              <a:schemeClr val="accent3"/>
             </a:solidFill>
           </a:ln>
         </p:spPr>
@@ -6194,48 +5769,40 @@
           <a:lstStyle/>
           <a:p>
             <a:pPr algn="ctr"/>
-            <a:r>
-              <a:rPr lang="zh-TW" altLang="en-US" dirty="0" smtClean="0">
-                <a:solidFill>
-                  <a:schemeClr val="tx1"/>
-                </a:solidFill>
-              </a:rPr>
-              <a:t>電影時刻表</a:t>
-            </a:r>
-            <a:endParaRPr lang="zh-TW" altLang="en-US" dirty="0">
-              <a:solidFill>
-                <a:schemeClr val="tx1"/>
-              </a:solidFill>
-            </a:endParaRPr>
-          </a:p>
-        </p:txBody>
-      </p:sp>
-      <p:sp>
-        <p:nvSpPr>
-          <p:cNvPr id="10" name="圓角矩形 9"/>
+            <a:endParaRPr lang="zh-TW" altLang="en-US"/>
+          </a:p>
+        </p:txBody>
+      </p:sp>
+      <p:sp>
+        <p:nvSpPr>
+          <p:cNvPr id="20" name="六邊形 19"/>
           <p:cNvSpPr/>
           <p:nvPr/>
         </p:nvSpPr>
         <p:spPr>
           <a:xfrm>
-            <a:off x="323528" y="2852936"/>
-            <a:ext cx="1599102" cy="648072"/>
-          </a:xfrm>
-          <a:prstGeom prst="roundRect">
+            <a:off x="3347864" y="4732384"/>
+            <a:ext cx="1752788" cy="1511024"/>
+          </a:xfrm>
+          <a:prstGeom prst="hexagon">
             <a:avLst/>
           </a:prstGeom>
-          <a:solidFill>
-            <a:schemeClr val="accent3">
-              <a:lumMod val="60000"/>
-              <a:lumOff val="40000"/>
-            </a:schemeClr>
-          </a:solidFill>
+          <a:blipFill dpi="0" rotWithShape="1">
+            <a:blip r:embed="rId5">
+              <a:extLst>
+                <a:ext uri="{28A0092B-C50C-407E-A947-70E740481C1C}">
+                  <a14:useLocalDpi xmlns:a14="http://schemas.microsoft.com/office/drawing/2010/main" val="0"/>
+                </a:ext>
+              </a:extLst>
+            </a:blip>
+            <a:srcRect/>
+            <a:stretch>
+              <a:fillRect/>
+            </a:stretch>
+          </a:blipFill>
           <a:ln>
             <a:solidFill>
-              <a:schemeClr val="accent3">
-                <a:lumMod val="20000"/>
-                <a:lumOff val="80000"/>
-              </a:schemeClr>
+              <a:schemeClr val="accent3"/>
             </a:solidFill>
           </a:ln>
         </p:spPr>
@@ -6260,322 +5827,40 @@
           <a:lstStyle/>
           <a:p>
             <a:pPr algn="ctr"/>
-            <a:r>
-              <a:rPr lang="zh-TW" altLang="en-US" dirty="0" smtClean="0">
-                <a:solidFill>
-                  <a:schemeClr val="tx1"/>
-                </a:solidFill>
-              </a:rPr>
-              <a:t>聯絡我們</a:t>
-            </a:r>
-            <a:endParaRPr lang="zh-TW" altLang="en-US" dirty="0">
-              <a:solidFill>
-                <a:schemeClr val="tx1"/>
-              </a:solidFill>
-            </a:endParaRPr>
-          </a:p>
-        </p:txBody>
-      </p:sp>
-      <p:pic>
-        <p:nvPicPr>
-          <p:cNvPr id="6" name="圖片 5"/>
-          <p:cNvPicPr>
-            <a:picLocks noChangeAspect="1"/>
-          </p:cNvPicPr>
+            <a:endParaRPr lang="zh-TW" altLang="en-US"/>
+          </a:p>
+        </p:txBody>
+      </p:sp>
+      <p:sp>
+        <p:nvSpPr>
+          <p:cNvPr id="21" name="六邊形 20"/>
+          <p:cNvSpPr/>
           <p:nvPr/>
-        </p:nvPicPr>
-        <p:blipFill>
-          <a:blip r:embed="rId3" cstate="print">
-            <a:extLst>
-              <a:ext uri="{28A0092B-C50C-407E-A947-70E740481C1C}">
-                <a14:useLocalDpi xmlns:a14="http://schemas.microsoft.com/office/drawing/2010/main" val="0"/>
-              </a:ext>
-            </a:extLst>
-          </a:blip>
-          <a:stretch>
-            <a:fillRect/>
-          </a:stretch>
-        </p:blipFill>
+        </p:nvSpPr>
         <p:spPr>
           <a:xfrm>
-            <a:off x="6642610" y="1784190"/>
-            <a:ext cx="987552" cy="1606296"/>
-          </a:xfrm>
-          <a:prstGeom prst="rect">
+            <a:off x="3347864" y="1412776"/>
+            <a:ext cx="1752788" cy="1511024"/>
+          </a:xfrm>
+          <a:prstGeom prst="hexagon">
             <a:avLst/>
           </a:prstGeom>
-        </p:spPr>
-      </p:pic>
-      <p:sp>
-        <p:nvSpPr>
-          <p:cNvPr id="8" name="文字方塊 7"/>
-          <p:cNvSpPr txBox="1"/>
-          <p:nvPr/>
-        </p:nvSpPr>
-        <p:spPr>
-          <a:xfrm>
-            <a:off x="2106849" y="116632"/>
-            <a:ext cx="910827" cy="523220"/>
-          </a:xfrm>
-          <a:prstGeom prst="rect">
-            <a:avLst/>
-          </a:prstGeom>
-          <a:noFill/>
-        </p:spPr>
-        <p:txBody>
-          <a:bodyPr wrap="none" rtlCol="0">
-            <a:spAutoFit/>
-          </a:bodyPr>
-          <a:lstStyle/>
-          <a:p>
-            <a:r>
-              <a:rPr lang="en-US" altLang="zh-TW" sz="2800" dirty="0" smtClean="0"/>
-              <a:t>User</a:t>
-            </a:r>
-            <a:endParaRPr lang="zh-TW" altLang="en-US" sz="2800" dirty="0"/>
-          </a:p>
-        </p:txBody>
-      </p:sp>
-      <p:cxnSp>
-        <p:nvCxnSpPr>
-          <p:cNvPr id="14" name="直線接點 13"/>
-          <p:cNvCxnSpPr>
-            <a:stCxn id="2" idx="2"/>
-            <a:endCxn id="3" idx="0"/>
-          </p:cNvCxnSpPr>
-          <p:nvPr/>
-        </p:nvCxnSpPr>
-        <p:spPr>
-          <a:xfrm>
-            <a:off x="2574901" y="1422763"/>
-            <a:ext cx="0" cy="412214"/>
-          </a:xfrm>
-          <a:prstGeom prst="line">
-            <a:avLst/>
-          </a:prstGeom>
-        </p:spPr>
-        <p:style>
-          <a:lnRef idx="1">
-            <a:schemeClr val="accent1"/>
-          </a:lnRef>
-          <a:fillRef idx="0">
-            <a:schemeClr val="accent1"/>
-          </a:fillRef>
-          <a:effectRef idx="0">
-            <a:schemeClr val="accent1"/>
-          </a:effectRef>
-          <a:fontRef idx="minor">
-            <a:schemeClr val="tx1"/>
-          </a:fontRef>
-        </p:style>
-      </p:cxnSp>
-      <p:cxnSp>
-        <p:nvCxnSpPr>
-          <p:cNvPr id="16" name="直線接點 15"/>
-          <p:cNvCxnSpPr>
-            <a:stCxn id="3" idx="2"/>
-          </p:cNvCxnSpPr>
-          <p:nvPr/>
-        </p:nvCxnSpPr>
-        <p:spPr>
-          <a:xfrm>
-            <a:off x="2574901" y="2483049"/>
-            <a:ext cx="0" cy="369887"/>
-          </a:xfrm>
-          <a:prstGeom prst="line">
-            <a:avLst/>
-          </a:prstGeom>
-        </p:spPr>
-        <p:style>
-          <a:lnRef idx="1">
-            <a:schemeClr val="accent1"/>
-          </a:lnRef>
-          <a:fillRef idx="0">
-            <a:schemeClr val="accent1"/>
-          </a:fillRef>
-          <a:effectRef idx="0">
-            <a:schemeClr val="accent1"/>
-          </a:effectRef>
-          <a:fontRef idx="minor">
-            <a:schemeClr val="tx1"/>
-          </a:fontRef>
-        </p:style>
-      </p:cxnSp>
-      <p:cxnSp>
-        <p:nvCxnSpPr>
-          <p:cNvPr id="18" name="直線接點 17"/>
-          <p:cNvCxnSpPr/>
-          <p:nvPr/>
-        </p:nvCxnSpPr>
-        <p:spPr>
-          <a:xfrm>
-            <a:off x="1259632" y="2667992"/>
-            <a:ext cx="0" cy="184944"/>
-          </a:xfrm>
-          <a:prstGeom prst="line">
-            <a:avLst/>
-          </a:prstGeom>
-        </p:spPr>
-        <p:style>
-          <a:lnRef idx="1">
-            <a:schemeClr val="accent1"/>
-          </a:lnRef>
-          <a:fillRef idx="0">
-            <a:schemeClr val="accent1"/>
-          </a:fillRef>
-          <a:effectRef idx="0">
-            <a:schemeClr val="accent1"/>
-          </a:effectRef>
-          <a:fontRef idx="minor">
-            <a:schemeClr val="tx1"/>
-          </a:fontRef>
-        </p:style>
-      </p:cxnSp>
-      <p:cxnSp>
-        <p:nvCxnSpPr>
-          <p:cNvPr id="19" name="直線接點 18"/>
-          <p:cNvCxnSpPr/>
-          <p:nvPr/>
-        </p:nvCxnSpPr>
-        <p:spPr>
-          <a:xfrm>
-            <a:off x="4295183" y="2683619"/>
-            <a:ext cx="0" cy="184944"/>
-          </a:xfrm>
-          <a:prstGeom prst="line">
-            <a:avLst/>
-          </a:prstGeom>
-        </p:spPr>
-        <p:style>
-          <a:lnRef idx="1">
-            <a:schemeClr val="accent1"/>
-          </a:lnRef>
-          <a:fillRef idx="0">
-            <a:schemeClr val="accent1"/>
-          </a:fillRef>
-          <a:effectRef idx="0">
-            <a:schemeClr val="accent1"/>
-          </a:effectRef>
-          <a:fontRef idx="minor">
-            <a:schemeClr val="tx1"/>
-          </a:fontRef>
-        </p:style>
-      </p:cxnSp>
-      <p:cxnSp>
-        <p:nvCxnSpPr>
-          <p:cNvPr id="21" name="直線接點 20"/>
-          <p:cNvCxnSpPr/>
-          <p:nvPr/>
-        </p:nvCxnSpPr>
-        <p:spPr>
-          <a:xfrm>
-            <a:off x="1259632" y="2667992"/>
-            <a:ext cx="3035551" cy="0"/>
-          </a:xfrm>
-          <a:prstGeom prst="line">
-            <a:avLst/>
-          </a:prstGeom>
-        </p:spPr>
-        <p:style>
-          <a:lnRef idx="1">
-            <a:schemeClr val="accent1"/>
-          </a:lnRef>
-          <a:fillRef idx="0">
-            <a:schemeClr val="accent1"/>
-          </a:fillRef>
-          <a:effectRef idx="0">
-            <a:schemeClr val="accent1"/>
-          </a:effectRef>
-          <a:fontRef idx="minor">
-            <a:schemeClr val="tx1"/>
-          </a:fontRef>
-        </p:style>
-      </p:cxnSp>
-      <p:sp>
-        <p:nvSpPr>
-          <p:cNvPr id="22" name="文字方塊 21"/>
-          <p:cNvSpPr txBox="1"/>
-          <p:nvPr/>
-        </p:nvSpPr>
-        <p:spPr>
-          <a:xfrm>
-            <a:off x="6344298" y="1105650"/>
-            <a:ext cx="1584176" cy="523220"/>
-          </a:xfrm>
-          <a:prstGeom prst="rect">
-            <a:avLst/>
-          </a:prstGeom>
-          <a:noFill/>
-        </p:spPr>
-        <p:txBody>
-          <a:bodyPr wrap="square" rtlCol="0">
-            <a:spAutoFit/>
-          </a:bodyPr>
-          <a:lstStyle/>
-          <a:p>
-            <a:r>
-              <a:rPr lang="en-US" altLang="zh-TW" sz="2800" dirty="0" smtClean="0"/>
-              <a:t>Manage</a:t>
-            </a:r>
-            <a:endParaRPr lang="zh-TW" altLang="en-US" sz="2800" dirty="0"/>
-          </a:p>
-        </p:txBody>
-      </p:sp>
-      <p:sp>
-        <p:nvSpPr>
-          <p:cNvPr id="27" name="文字方塊 26"/>
-          <p:cNvSpPr txBox="1"/>
-          <p:nvPr/>
-        </p:nvSpPr>
-        <p:spPr>
-          <a:xfrm>
-            <a:off x="5172445" y="1806846"/>
-            <a:ext cx="646331" cy="369332"/>
-          </a:xfrm>
-          <a:prstGeom prst="rect">
-            <a:avLst/>
-          </a:prstGeom>
-          <a:noFill/>
-        </p:spPr>
-        <p:txBody>
-          <a:bodyPr wrap="none" rtlCol="0">
-            <a:spAutoFit/>
-          </a:bodyPr>
-          <a:lstStyle/>
-          <a:p>
-            <a:r>
-              <a:rPr lang="zh-TW" altLang="en-US" dirty="0"/>
-              <a:t>登入</a:t>
-            </a:r>
-          </a:p>
-        </p:txBody>
-      </p:sp>
-      <p:sp>
-        <p:nvSpPr>
-          <p:cNvPr id="28" name="圓角矩形 27"/>
-          <p:cNvSpPr/>
-          <p:nvPr/>
-        </p:nvSpPr>
-        <p:spPr>
-          <a:xfrm>
-            <a:off x="3164267" y="4586618"/>
-            <a:ext cx="2153012" cy="648072"/>
-          </a:xfrm>
-          <a:prstGeom prst="roundRect">
-            <a:avLst/>
-          </a:prstGeom>
-          <a:solidFill>
-            <a:schemeClr val="accent3">
-              <a:lumMod val="60000"/>
-              <a:lumOff val="40000"/>
-            </a:schemeClr>
-          </a:solidFill>
+          <a:blipFill dpi="0" rotWithShape="1">
+            <a:blip r:embed="rId6">
+              <a:extLst>
+                <a:ext uri="{28A0092B-C50C-407E-A947-70E740481C1C}">
+                  <a14:useLocalDpi xmlns:a14="http://schemas.microsoft.com/office/drawing/2010/main" val="0"/>
+                </a:ext>
+              </a:extLst>
+            </a:blip>
+            <a:srcRect/>
+            <a:stretch>
+              <a:fillRect/>
+            </a:stretch>
+          </a:blipFill>
           <a:ln>
             <a:solidFill>
-              <a:schemeClr val="accent3">
-                <a:lumMod val="20000"/>
-                <a:lumOff val="80000"/>
-              </a:schemeClr>
+              <a:schemeClr val="accent3"/>
             </a:solidFill>
           </a:ln>
         </p:spPr>
@@ -6600,56 +5885,40 @@
           <a:lstStyle/>
           <a:p>
             <a:pPr algn="ctr"/>
-            <a:r>
-              <a:rPr lang="zh-TW" altLang="en-US" dirty="0">
-                <a:solidFill>
-                  <a:schemeClr val="tx1"/>
-                </a:solidFill>
-              </a:rPr>
-              <a:t>檢視聯絡</a:t>
-            </a:r>
-            <a:r>
-              <a:rPr lang="zh-TW" altLang="en-US" dirty="0" smtClean="0">
-                <a:solidFill>
-                  <a:schemeClr val="tx1"/>
-                </a:solidFill>
-              </a:rPr>
-              <a:t>我們內容</a:t>
-            </a:r>
-            <a:endParaRPr lang="zh-TW" altLang="en-US" dirty="0">
-              <a:solidFill>
-                <a:schemeClr val="tx1"/>
-              </a:solidFill>
-            </a:endParaRPr>
-          </a:p>
-        </p:txBody>
-      </p:sp>
-      <p:sp>
-        <p:nvSpPr>
-          <p:cNvPr id="29" name="圓角矩形 28"/>
+            <a:endParaRPr lang="zh-TW" altLang="en-US"/>
+          </a:p>
+        </p:txBody>
+      </p:sp>
+      <p:sp>
+        <p:nvSpPr>
+          <p:cNvPr id="22" name="六邊形 21"/>
           <p:cNvSpPr/>
           <p:nvPr/>
         </p:nvSpPr>
         <p:spPr>
           <a:xfrm>
-            <a:off x="5748395" y="4586618"/>
-            <a:ext cx="1188132" cy="648072"/>
-          </a:xfrm>
-          <a:prstGeom prst="roundRect">
+            <a:off x="1811100" y="3934200"/>
+            <a:ext cx="1752788" cy="1511024"/>
+          </a:xfrm>
+          <a:prstGeom prst="hexagon">
             <a:avLst/>
           </a:prstGeom>
-          <a:solidFill>
-            <a:schemeClr val="accent3">
-              <a:lumMod val="60000"/>
-              <a:lumOff val="40000"/>
-            </a:schemeClr>
-          </a:solidFill>
+          <a:blipFill dpi="0" rotWithShape="1">
+            <a:blip r:embed="rId7">
+              <a:extLst>
+                <a:ext uri="{28A0092B-C50C-407E-A947-70E740481C1C}">
+                  <a14:useLocalDpi xmlns:a14="http://schemas.microsoft.com/office/drawing/2010/main" val="0"/>
+                </a:ext>
+              </a:extLst>
+            </a:blip>
+            <a:srcRect/>
+            <a:stretch>
+              <a:fillRect/>
+            </a:stretch>
+          </a:blipFill>
           <a:ln>
             <a:solidFill>
-              <a:schemeClr val="accent3">
-                <a:lumMod val="20000"/>
-                <a:lumOff val="80000"/>
-              </a:schemeClr>
+              <a:schemeClr val="accent3"/>
             </a:solidFill>
           </a:ln>
         </p:spPr>
@@ -6674,43 +5943,33 @@
           <a:lstStyle/>
           <a:p>
             <a:pPr algn="ctr"/>
-            <a:r>
-              <a:rPr lang="zh-TW" altLang="en-US" dirty="0">
-                <a:solidFill>
-                  <a:schemeClr val="tx1"/>
-                </a:solidFill>
-              </a:rPr>
-              <a:t>電影資訊</a:t>
-            </a:r>
-          </a:p>
-        </p:txBody>
-      </p:sp>
-      <p:sp>
-        <p:nvSpPr>
-          <p:cNvPr id="30" name="圓角矩形 29"/>
+            <a:endParaRPr lang="zh-TW" altLang="en-US"/>
+          </a:p>
+        </p:txBody>
+      </p:sp>
+      <p:sp>
+        <p:nvSpPr>
+          <p:cNvPr id="23" name="六邊形 22"/>
           <p:cNvSpPr/>
           <p:nvPr/>
         </p:nvSpPr>
         <p:spPr>
           <a:xfrm>
-            <a:off x="7332571" y="4586618"/>
-            <a:ext cx="1188132" cy="648072"/>
-          </a:xfrm>
-          <a:prstGeom prst="roundRect">
+            <a:off x="4907444" y="3934200"/>
+            <a:ext cx="1752788" cy="1511024"/>
+          </a:xfrm>
+          <a:prstGeom prst="hexagon">
             <a:avLst/>
           </a:prstGeom>
           <a:solidFill>
             <a:schemeClr val="accent3">
-              <a:lumMod val="60000"/>
-              <a:lumOff val="40000"/>
+              <a:lumMod val="20000"/>
+              <a:lumOff val="80000"/>
             </a:schemeClr>
           </a:solidFill>
           <a:ln>
             <a:solidFill>
-              <a:schemeClr val="accent3">
-                <a:lumMod val="20000"/>
-                <a:lumOff val="80000"/>
-              </a:schemeClr>
+              <a:schemeClr val="accent3"/>
             </a:solidFill>
           </a:ln>
         </p:spPr>
@@ -6736,172 +5995,18 @@
           <a:p>
             <a:pPr algn="ctr"/>
             <a:r>
-              <a:rPr lang="zh-TW" altLang="en-US" dirty="0">
+              <a:rPr lang="en-US" altLang="zh-TW" sz="3200" dirty="0" smtClean="0">
                 <a:solidFill>
-                  <a:schemeClr val="tx1"/>
-                </a:solidFill>
-              </a:rPr>
-              <a:t>電影資訊</a:t>
-            </a:r>
-          </a:p>
-        </p:txBody>
-      </p:sp>
-      <p:cxnSp>
-        <p:nvCxnSpPr>
-          <p:cNvPr id="36" name="肘形接點 35"/>
-          <p:cNvCxnSpPr>
-            <a:endCxn id="28" idx="0"/>
-          </p:cNvCxnSpPr>
-          <p:nvPr/>
-        </p:nvCxnSpPr>
-        <p:spPr>
-          <a:xfrm rot="5400000">
-            <a:off x="5108754" y="2560823"/>
-            <a:ext cx="1157814" cy="2893776"/>
-          </a:xfrm>
-          <a:prstGeom prst="bentConnector3">
-            <a:avLst/>
-          </a:prstGeom>
-        </p:spPr>
-        <p:style>
-          <a:lnRef idx="1">
-            <a:schemeClr val="accent1"/>
-          </a:lnRef>
-          <a:fillRef idx="0">
-            <a:schemeClr val="accent1"/>
-          </a:fillRef>
-          <a:effectRef idx="0">
-            <a:schemeClr val="accent1"/>
-          </a:effectRef>
-          <a:fontRef idx="minor">
-            <a:schemeClr val="tx1"/>
-          </a:fontRef>
-        </p:style>
-      </p:cxnSp>
-      <p:cxnSp>
-        <p:nvCxnSpPr>
-          <p:cNvPr id="38" name="肘形接點 37"/>
-          <p:cNvCxnSpPr>
-            <a:endCxn id="29" idx="0"/>
-          </p:cNvCxnSpPr>
-          <p:nvPr/>
-        </p:nvCxnSpPr>
-        <p:spPr>
-          <a:xfrm rot="5400000">
-            <a:off x="6159598" y="3611667"/>
-            <a:ext cx="1157814" cy="792088"/>
-          </a:xfrm>
-          <a:prstGeom prst="bentConnector3">
-            <a:avLst/>
-          </a:prstGeom>
-        </p:spPr>
-        <p:style>
-          <a:lnRef idx="1">
-            <a:schemeClr val="accent1"/>
-          </a:lnRef>
-          <a:fillRef idx="0">
-            <a:schemeClr val="accent1"/>
-          </a:fillRef>
-          <a:effectRef idx="0">
-            <a:schemeClr val="accent1"/>
-          </a:effectRef>
-          <a:fontRef idx="minor">
-            <a:schemeClr val="tx1"/>
-          </a:fontRef>
-        </p:style>
-      </p:cxnSp>
-      <p:cxnSp>
-        <p:nvCxnSpPr>
-          <p:cNvPr id="40" name="肘形接點 39"/>
-          <p:cNvCxnSpPr/>
-          <p:nvPr/>
-        </p:nvCxnSpPr>
-        <p:spPr>
-          <a:xfrm rot="16200000" flipH="1">
-            <a:off x="6953523" y="3611864"/>
-            <a:ext cx="1157814" cy="792088"/>
-          </a:xfrm>
-          <a:prstGeom prst="bentConnector3">
-            <a:avLst/>
-          </a:prstGeom>
-        </p:spPr>
-        <p:style>
-          <a:lnRef idx="1">
-            <a:schemeClr val="accent1"/>
-          </a:lnRef>
-          <a:fillRef idx="0">
-            <a:schemeClr val="accent1"/>
-          </a:fillRef>
-          <a:effectRef idx="0">
-            <a:schemeClr val="accent1"/>
-          </a:effectRef>
-          <a:fontRef idx="minor">
-            <a:schemeClr val="tx1"/>
-          </a:fontRef>
-        </p:style>
-      </p:cxnSp>
-      <p:sp>
-        <p:nvSpPr>
-          <p:cNvPr id="41" name="圓角矩形 40"/>
-          <p:cNvSpPr/>
-          <p:nvPr/>
-        </p:nvSpPr>
-        <p:spPr>
-          <a:xfrm>
-            <a:off x="3904469" y="4126764"/>
-            <a:ext cx="720080" cy="288032"/>
-          </a:xfrm>
-          <a:prstGeom prst="roundRect">
-            <a:avLst/>
-          </a:prstGeom>
-          <a:solidFill>
-            <a:schemeClr val="accent2">
-              <a:lumMod val="20000"/>
-              <a:lumOff val="80000"/>
-            </a:schemeClr>
-          </a:solidFill>
-          <a:ln>
-            <a:solidFill>
-              <a:schemeClr val="accent2">
-                <a:lumMod val="50000"/>
-              </a:schemeClr>
-            </a:solidFill>
-          </a:ln>
-        </p:spPr>
-        <p:style>
-          <a:lnRef idx="2">
-            <a:schemeClr val="accent1">
-              <a:shade val="50000"/>
-            </a:schemeClr>
-          </a:lnRef>
-          <a:fillRef idx="1">
-            <a:schemeClr val="accent1"/>
-          </a:fillRef>
-          <a:effectRef idx="0">
-            <a:schemeClr val="accent1"/>
-          </a:effectRef>
-          <a:fontRef idx="minor">
-            <a:schemeClr val="lt1"/>
-          </a:fontRef>
-        </p:style>
-        <p:txBody>
-          <a:bodyPr rtlCol="0" anchor="ctr"/>
-          <a:lstStyle/>
-          <a:p>
-            <a:pPr algn="ctr"/>
-            <a:r>
-              <a:rPr lang="zh-TW" altLang="en-US" dirty="0" smtClean="0">
-                <a:solidFill>
-                  <a:schemeClr val="accent2">
+                  <a:schemeClr val="accent3">
                     <a:lumMod val="50000"/>
                   </a:schemeClr>
                 </a:solidFill>
               </a:rPr>
-              <a:t>刪除</a:t>
-            </a:r>
-            <a:endParaRPr lang="zh-TW" altLang="en-US" dirty="0">
+              <a:t>MVC</a:t>
+            </a:r>
+            <a:endParaRPr lang="zh-TW" altLang="en-US" sz="3200" dirty="0">
               <a:solidFill>
-                <a:schemeClr val="accent2">
+                <a:schemeClr val="accent3">
                   <a:lumMod val="50000"/>
                 </a:schemeClr>
               </a:solidFill>
@@ -6909,111 +6014,10 @@
           </a:p>
         </p:txBody>
       </p:sp>
-      <p:sp>
-        <p:nvSpPr>
-          <p:cNvPr id="42" name="圓角矩形 41"/>
-          <p:cNvSpPr/>
-          <p:nvPr/>
-        </p:nvSpPr>
-        <p:spPr>
-          <a:xfrm>
-            <a:off x="5781817" y="4138174"/>
-            <a:ext cx="2437992" cy="279648"/>
-          </a:xfrm>
-          <a:prstGeom prst="roundRect">
-            <a:avLst/>
-          </a:prstGeom>
-          <a:solidFill>
-            <a:schemeClr val="accent2">
-              <a:lumMod val="20000"/>
-              <a:lumOff val="80000"/>
-            </a:schemeClr>
-          </a:solidFill>
-          <a:ln>
-            <a:solidFill>
-              <a:schemeClr val="accent2">
-                <a:lumMod val="50000"/>
-              </a:schemeClr>
-            </a:solidFill>
-          </a:ln>
-        </p:spPr>
-        <p:style>
-          <a:lnRef idx="2">
-            <a:schemeClr val="accent1">
-              <a:shade val="50000"/>
-            </a:schemeClr>
-          </a:lnRef>
-          <a:fillRef idx="1">
-            <a:schemeClr val="accent1"/>
-          </a:fillRef>
-          <a:effectRef idx="0">
-            <a:schemeClr val="accent1"/>
-          </a:effectRef>
-          <a:fontRef idx="minor">
-            <a:schemeClr val="lt1"/>
-          </a:fontRef>
-        </p:style>
-        <p:txBody>
-          <a:bodyPr rtlCol="0" anchor="ctr"/>
-          <a:lstStyle/>
-          <a:p>
-            <a:pPr algn="ctr"/>
-            <a:r>
-              <a:rPr lang="zh-TW" altLang="en-US" dirty="0" smtClean="0">
-                <a:solidFill>
-                  <a:schemeClr val="accent2">
-                    <a:lumMod val="50000"/>
-                  </a:schemeClr>
-                </a:solidFill>
-              </a:rPr>
-              <a:t>新增、刪除、修改</a:t>
-            </a:r>
-            <a:endParaRPr lang="zh-TW" altLang="en-US" dirty="0">
-              <a:solidFill>
-                <a:schemeClr val="accent2">
-                  <a:lumMod val="50000"/>
-                </a:schemeClr>
-              </a:solidFill>
-            </a:endParaRPr>
-          </a:p>
-        </p:txBody>
-      </p:sp>
-      <p:cxnSp>
-        <p:nvCxnSpPr>
-          <p:cNvPr id="44" name="肘形接點 43"/>
-          <p:cNvCxnSpPr>
-            <a:stCxn id="3" idx="3"/>
-          </p:cNvCxnSpPr>
-          <p:nvPr/>
-        </p:nvCxnSpPr>
-        <p:spPr>
-          <a:xfrm>
-            <a:off x="3042953" y="2159013"/>
-            <a:ext cx="3695552" cy="261875"/>
-          </a:xfrm>
-          <a:prstGeom prst="bentConnector3">
-            <a:avLst/>
-          </a:prstGeom>
-        </p:spPr>
-        <p:style>
-          <a:lnRef idx="1">
-            <a:schemeClr val="accent1"/>
-          </a:lnRef>
-          <a:fillRef idx="0">
-            <a:schemeClr val="accent1"/>
-          </a:fillRef>
-          <a:effectRef idx="0">
-            <a:schemeClr val="accent1"/>
-          </a:effectRef>
-          <a:fontRef idx="minor">
-            <a:schemeClr val="tx1"/>
-          </a:fontRef>
-        </p:style>
-      </p:cxnSp>
     </p:spTree>
     <p:extLst>
       <p:ext uri="{BB962C8B-B14F-4D97-AF65-F5344CB8AC3E}">
-        <p14:creationId xmlns:p14="http://schemas.microsoft.com/office/powerpoint/2010/main" val="3659674305"/>
+        <p14:creationId xmlns:p14="http://schemas.microsoft.com/office/powerpoint/2010/main" val="2881834180"/>
       </p:ext>
     </p:extLst>
   </p:cSld>
@@ -7030,7 +6034,7 @@
 </p:sld>
 </file>
 
-<file path=ppt/slides/slide5.xml><?xml version="1.0" encoding="utf-8"?>
+<file path=ppt/slides/slide4.xml><?xml version="1.0" encoding="utf-8"?>
 <p:sld xmlns:a="http://schemas.openxmlformats.org/drawingml/2006/main" xmlns:r="http://schemas.openxmlformats.org/officeDocument/2006/relationships" xmlns:p="http://schemas.openxmlformats.org/presentationml/2006/main">
   <p:cSld>
     <p:spTree>
@@ -7644,7 +6648,7 @@
 </p:sld>
 </file>
 
-<file path=ppt/slides/slide6.xml><?xml version="1.0" encoding="utf-8"?>
+<file path=ppt/slides/slide5.xml><?xml version="1.0" encoding="utf-8"?>
 <p:sld xmlns:a="http://schemas.openxmlformats.org/drawingml/2006/main" xmlns:r="http://schemas.openxmlformats.org/officeDocument/2006/relationships" xmlns:p="http://schemas.openxmlformats.org/presentationml/2006/main">
   <p:cSld>
     <p:spTree>
@@ -7968,7 +6972,7 @@
 </p:sld>
 </file>
 
-<file path=ppt/slides/slide7.xml><?xml version="1.0" encoding="utf-8"?>
+<file path=ppt/slides/slide6.xml><?xml version="1.0" encoding="utf-8"?>
 <p:sld xmlns:a="http://schemas.openxmlformats.org/drawingml/2006/main" xmlns:r="http://schemas.openxmlformats.org/officeDocument/2006/relationships" xmlns:p="http://schemas.openxmlformats.org/presentationml/2006/main">
   <p:cSld>
     <p:spTree>
@@ -8082,7 +7086,7 @@
 </p:sld>
 </file>
 
-<file path=ppt/slides/slide8.xml><?xml version="1.0" encoding="utf-8"?>
+<file path=ppt/slides/slide7.xml><?xml version="1.0" encoding="utf-8"?>
 <p:sld xmlns:a="http://schemas.openxmlformats.org/drawingml/2006/main" xmlns:r="http://schemas.openxmlformats.org/officeDocument/2006/relationships" xmlns:p="http://schemas.openxmlformats.org/presentationml/2006/main">
   <p:cSld>
     <p:spTree>
@@ -8365,6 +7369,113 @@
           <a:p>
             <a:pPr algn="ctr"/>
             <a:endParaRPr lang="zh-TW" altLang="en-US"/>
+          </a:p>
+        </p:txBody>
+      </p:sp>
+      <p:pic>
+        <p:nvPicPr>
+          <p:cNvPr id="1026" name="Picture 2"/>
+          <p:cNvPicPr>
+            <a:picLocks noChangeAspect="1" noChangeArrowheads="1"/>
+          </p:cNvPicPr>
+          <p:nvPr/>
+        </p:nvPicPr>
+        <p:blipFill>
+          <a:blip r:embed="rId6">
+            <a:extLst>
+              <a:ext uri="{28A0092B-C50C-407E-A947-70E740481C1C}">
+                <a14:useLocalDpi xmlns:a14="http://schemas.microsoft.com/office/drawing/2010/main" val="0"/>
+              </a:ext>
+            </a:extLst>
+          </a:blip>
+          <a:srcRect/>
+          <a:stretch>
+            <a:fillRect/>
+          </a:stretch>
+        </p:blipFill>
+        <p:spPr bwMode="auto">
+          <a:xfrm>
+            <a:off x="4932040" y="574948"/>
+            <a:ext cx="3648075" cy="1200150"/>
+          </a:xfrm>
+          <a:prstGeom prst="rect">
+            <a:avLst/>
+          </a:prstGeom>
+          <a:noFill/>
+          <a:ln>
+            <a:noFill/>
+          </a:ln>
+          <a:extLst>
+            <a:ext uri="{909E8E84-426E-40DD-AFC4-6F175D3DCCD1}">
+              <a14:hiddenFill xmlns:a14="http://schemas.microsoft.com/office/drawing/2010/main">
+                <a:solidFill>
+                  <a:schemeClr val="accent1"/>
+                </a:solidFill>
+              </a14:hiddenFill>
+            </a:ext>
+            <a:ext uri="{91240B29-F687-4F45-9708-019B960494DF}">
+              <a14:hiddenLine xmlns:a14="http://schemas.microsoft.com/office/drawing/2010/main" w="9525">
+                <a:solidFill>
+                  <a:schemeClr val="tx1"/>
+                </a:solidFill>
+                <a:miter lim="800000"/>
+                <a:headEnd/>
+                <a:tailEnd/>
+              </a14:hiddenLine>
+            </a:ext>
+          </a:extLst>
+        </p:spPr>
+      </p:pic>
+      <p:sp>
+        <p:nvSpPr>
+          <p:cNvPr id="9" name="橢圓 8">
+            <a:hlinkClick r:id="rId7"/>
+          </p:cNvPr>
+          <p:cNvSpPr/>
+          <p:nvPr/>
+        </p:nvSpPr>
+        <p:spPr>
+          <a:xfrm>
+            <a:off x="4547245" y="188640"/>
+            <a:ext cx="624408" cy="624408"/>
+          </a:xfrm>
+          <a:prstGeom prst="ellipse">
+            <a:avLst/>
+          </a:prstGeom>
+          <a:noFill/>
+        </p:spPr>
+        <p:style>
+          <a:lnRef idx="2">
+            <a:schemeClr val="accent5"/>
+          </a:lnRef>
+          <a:fillRef idx="1">
+            <a:schemeClr val="lt1"/>
+          </a:fillRef>
+          <a:effectRef idx="0">
+            <a:schemeClr val="accent5"/>
+          </a:effectRef>
+          <a:fontRef idx="minor">
+            <a:schemeClr val="dk1"/>
+          </a:fontRef>
+        </p:style>
+        <p:txBody>
+          <a:bodyPr rtlCol="0" anchor="ctr"/>
+          <a:lstStyle/>
+          <a:p>
+            <a:pPr algn="ctr"/>
+            <a:r>
+              <a:rPr lang="en-US" altLang="zh-TW" sz="2400" dirty="0" smtClean="0">
+                <a:solidFill>
+                  <a:srgbClr val="002060"/>
+                </a:solidFill>
+              </a:rPr>
+              <a:t>C</a:t>
+            </a:r>
+            <a:endParaRPr lang="zh-TW" altLang="en-US" sz="2400" dirty="0">
+              <a:solidFill>
+                <a:srgbClr val="002060"/>
+              </a:solidFill>
+            </a:endParaRPr>
           </a:p>
         </p:txBody>
       </p:sp>
@@ -8538,6 +7649,94 @@
                       </p:childTnLst>
                     </p:cTn>
                   </p:par>
+                  <p:par>
+                    <p:cTn id="15" fill="hold">
+                      <p:stCondLst>
+                        <p:cond delay="indefinite"/>
+                      </p:stCondLst>
+                      <p:childTnLst>
+                        <p:par>
+                          <p:cTn id="16" fill="hold">
+                            <p:stCondLst>
+                              <p:cond delay="0"/>
+                            </p:stCondLst>
+                            <p:childTnLst>
+                              <p:par>
+                                <p:cTn id="17" presetID="10" presetClass="entr" presetSubtype="0" fill="hold" nodeType="clickEffect">
+                                  <p:stCondLst>
+                                    <p:cond delay="0"/>
+                                  </p:stCondLst>
+                                  <p:childTnLst>
+                                    <p:set>
+                                      <p:cBhvr>
+                                        <p:cTn id="18" dur="1" fill="hold">
+                                          <p:stCondLst>
+                                            <p:cond delay="0"/>
+                                          </p:stCondLst>
+                                        </p:cTn>
+                                        <p:tgtEl>
+                                          <p:spTgt spid="1026"/>
+                                        </p:tgtEl>
+                                        <p:attrNameLst>
+                                          <p:attrName>style.visibility</p:attrName>
+                                        </p:attrNameLst>
+                                      </p:cBhvr>
+                                      <p:to>
+                                        <p:strVal val="visible"/>
+                                      </p:to>
+                                    </p:set>
+                                    <p:animEffect transition="in" filter="fade">
+                                      <p:cBhvr>
+                                        <p:cTn id="19" dur="500"/>
+                                        <p:tgtEl>
+                                          <p:spTgt spid="1026"/>
+                                        </p:tgtEl>
+                                      </p:cBhvr>
+                                    </p:animEffect>
+                                  </p:childTnLst>
+                                </p:cTn>
+                              </p:par>
+                              <p:par>
+                                <p:cTn id="20" presetID="10" presetClass="entr" presetSubtype="0" fill="hold" grpId="0" nodeType="withEffect">
+                                  <p:stCondLst>
+                                    <p:cond delay="0"/>
+                                  </p:stCondLst>
+                                  <p:childTnLst>
+                                    <p:set>
+                                      <p:cBhvr>
+                                        <p:cTn id="21" dur="1" fill="hold">
+                                          <p:stCondLst>
+                                            <p:cond delay="0"/>
+                                          </p:stCondLst>
+                                        </p:cTn>
+                                        <p:tgtEl>
+                                          <p:spTgt spid="9"/>
+                                        </p:tgtEl>
+                                        <p:attrNameLst>
+                                          <p:attrName>style.visibility</p:attrName>
+                                        </p:attrNameLst>
+                                      </p:cBhvr>
+                                      <p:to>
+                                        <p:strVal val="visible"/>
+                                      </p:to>
+                                    </p:set>
+                                    <p:animEffect transition="in" filter="fade">
+                                      <p:cBhvr>
+                                        <p:cTn id="22" dur="500"/>
+                                        <p:tgtEl>
+                                          <p:spTgt spid="9"/>
+                                        </p:tgtEl>
+                                      </p:cBhvr>
+                                    </p:animEffect>
+                                  </p:childTnLst>
+                                </p:cTn>
+                              </p:par>
+                            </p:childTnLst>
+                          </p:cTn>
+                        </p:par>
+                      </p:childTnLst>
+                    </p:cTn>
+                  </p:par>
                 </p:childTnLst>
               </p:cTn>
               <p:prevCondLst>
@@ -8561,7 +7760,170 @@
     </p:tnLst>
     <p:bldLst>
       <p:bldP spid="8" grpId="0" animBg="1"/>
+      <p:bldP spid="9" grpId="0" animBg="1"/>
     </p:bldLst>
+  </p:timing>
+</p:sld>
+</file>
+
+<file path=ppt/slides/slide8.xml><?xml version="1.0" encoding="utf-8"?>
+<p:sld xmlns:a="http://schemas.openxmlformats.org/drawingml/2006/main" xmlns:r="http://schemas.openxmlformats.org/officeDocument/2006/relationships" xmlns:p="http://schemas.openxmlformats.org/presentationml/2006/main">
+  <p:cSld>
+    <p:spTree>
+      <p:nvGrpSpPr>
+        <p:cNvPr id="1" name=""/>
+        <p:cNvGrpSpPr/>
+        <p:nvPr/>
+      </p:nvGrpSpPr>
+      <p:grpSpPr>
+        <a:xfrm>
+          <a:off x="0" y="0"/>
+          <a:ext cx="0" cy="0"/>
+          <a:chOff x="0" y="0"/>
+          <a:chExt cx="0" cy="0"/>
+        </a:xfrm>
+      </p:grpSpPr>
+      <p:pic>
+        <p:nvPicPr>
+          <p:cNvPr id="5" name="內容版面配置區 4">
+            <a:hlinkClick r:id="rId2"/>
+          </p:cNvPr>
+          <p:cNvPicPr>
+            <a:picLocks noGrp="1" noChangeAspect="1"/>
+          </p:cNvPicPr>
+          <p:nvPr>
+            <p:ph idx="10"/>
+          </p:nvPr>
+        </p:nvPicPr>
+        <p:blipFill>
+          <a:blip r:embed="rId3" cstate="print">
+            <a:extLst>
+              <a:ext uri="{28A0092B-C50C-407E-A947-70E740481C1C}">
+                <a14:useLocalDpi xmlns:a14="http://schemas.microsoft.com/office/drawing/2010/main" val="0"/>
+              </a:ext>
+            </a:extLst>
+          </a:blip>
+          <a:stretch>
+            <a:fillRect/>
+          </a:stretch>
+        </p:blipFill>
+        <p:spPr>
+          <a:xfrm>
+            <a:off x="1660652" y="1988840"/>
+            <a:ext cx="5529929" cy="4148138"/>
+          </a:xfrm>
+        </p:spPr>
+      </p:pic>
+      <p:pic>
+        <p:nvPicPr>
+          <p:cNvPr id="6" name="圖片 5">
+            <a:hlinkClick r:id="rId4"/>
+          </p:cNvPr>
+          <p:cNvPicPr>
+            <a:picLocks noChangeAspect="1"/>
+          </p:cNvPicPr>
+          <p:nvPr/>
+        </p:nvPicPr>
+        <p:blipFill>
+          <a:blip r:embed="rId5">
+            <a:extLst>
+              <a:ext uri="{28A0092B-C50C-407E-A947-70E740481C1C}">
+                <a14:useLocalDpi xmlns:a14="http://schemas.microsoft.com/office/drawing/2010/main" val="0"/>
+              </a:ext>
+            </a:extLst>
+          </a:blip>
+          <a:stretch>
+            <a:fillRect/>
+          </a:stretch>
+        </p:blipFill>
+        <p:spPr>
+          <a:xfrm>
+            <a:off x="5508104" y="240429"/>
+            <a:ext cx="1152128" cy="1152128"/>
+          </a:xfrm>
+          <a:prstGeom prst="rect">
+            <a:avLst/>
+          </a:prstGeom>
+        </p:spPr>
+      </p:pic>
+      <p:pic>
+        <p:nvPicPr>
+          <p:cNvPr id="8" name="圖片 7">
+            <a:hlinkClick r:id="rId6"/>
+          </p:cNvPr>
+          <p:cNvPicPr>
+            <a:picLocks noChangeAspect="1"/>
+          </p:cNvPicPr>
+          <p:nvPr/>
+        </p:nvPicPr>
+        <p:blipFill>
+          <a:blip r:embed="rId7" cstate="print">
+            <a:extLst>
+              <a:ext uri="{28A0092B-C50C-407E-A947-70E740481C1C}">
+                <a14:useLocalDpi xmlns:a14="http://schemas.microsoft.com/office/drawing/2010/main" val="0"/>
+              </a:ext>
+            </a:extLst>
+          </a:blip>
+          <a:stretch>
+            <a:fillRect/>
+          </a:stretch>
+        </p:blipFill>
+        <p:spPr>
+          <a:xfrm>
+            <a:off x="6876256" y="240429"/>
+            <a:ext cx="1152128" cy="1152128"/>
+          </a:xfrm>
+          <a:prstGeom prst="rect">
+            <a:avLst/>
+          </a:prstGeom>
+        </p:spPr>
+      </p:pic>
+      <p:pic>
+        <p:nvPicPr>
+          <p:cNvPr id="9" name="圖片 8"/>
+          <p:cNvPicPr>
+            <a:picLocks noChangeAspect="1"/>
+          </p:cNvPicPr>
+          <p:nvPr/>
+        </p:nvPicPr>
+        <p:blipFill>
+          <a:blip r:embed="rId8">
+            <a:extLst>
+              <a:ext uri="{28A0092B-C50C-407E-A947-70E740481C1C}">
+                <a14:useLocalDpi xmlns:a14="http://schemas.microsoft.com/office/drawing/2010/main" val="0"/>
+              </a:ext>
+            </a:extLst>
+          </a:blip>
+          <a:stretch>
+            <a:fillRect/>
+          </a:stretch>
+        </p:blipFill>
+        <p:spPr>
+          <a:xfrm>
+            <a:off x="539552" y="116632"/>
+            <a:ext cx="2592288" cy="1399723"/>
+          </a:xfrm>
+          <a:prstGeom prst="rect">
+            <a:avLst/>
+          </a:prstGeom>
+        </p:spPr>
+      </p:pic>
+    </p:spTree>
+    <p:extLst>
+      <p:ext uri="{BB962C8B-B14F-4D97-AF65-F5344CB8AC3E}">
+        <p14:creationId xmlns:p14="http://schemas.microsoft.com/office/powerpoint/2010/main" val="261611101"/>
+      </p:ext>
+    </p:extLst>
+  </p:cSld>
+  <p:clrMapOvr>
+    <a:masterClrMapping/>
+  </p:clrMapOvr>
+  <p:timing>
+    <p:tnLst>
+      <p:par>
+        <p:cTn id="1" dur="indefinite" restart="never" nodeType="tmRoot"/>
+      </p:par>
+    </p:tnLst>
   </p:timing>
 </p:sld>
 </file>
@@ -8583,55 +7945,9 @@
           <a:chExt cx="0" cy="0"/>
         </a:xfrm>
       </p:grpSpPr>
-      <p:sp>
-        <p:nvSpPr>
-          <p:cNvPr id="2" name="標題 1"/>
-          <p:cNvSpPr>
-            <a:spLocks noGrp="1"/>
-          </p:cNvSpPr>
-          <p:nvPr>
-            <p:ph type="title"/>
-          </p:nvPr>
-        </p:nvSpPr>
-        <p:spPr/>
-        <p:txBody>
-          <a:bodyPr/>
-          <a:lstStyle/>
-          <a:p>
-            <a:endParaRPr lang="zh-TW" altLang="en-US"/>
-          </a:p>
-        </p:txBody>
-      </p:sp>
-      <p:sp>
-        <p:nvSpPr>
-          <p:cNvPr id="3" name="內容版面配置區 2"/>
-          <p:cNvSpPr>
-            <a:spLocks noGrp="1"/>
-          </p:cNvSpPr>
-          <p:nvPr>
-            <p:ph idx="1"/>
-          </p:nvPr>
-        </p:nvSpPr>
-        <p:spPr/>
-        <p:txBody>
-          <a:bodyPr/>
-          <a:lstStyle/>
-          <a:p>
-            <a:r>
-              <a:rPr lang="en-US" altLang="zh-TW" dirty="0" smtClean="0">
-                <a:hlinkClick r:id="rId2"/>
-              </a:rPr>
-              <a:t>My web</a:t>
-            </a:r>
-            <a:endParaRPr lang="zh-TW" altLang="en-US" dirty="0"/>
-          </a:p>
-        </p:txBody>
-      </p:sp>
       <p:pic>
         <p:nvPicPr>
-          <p:cNvPr id="5" name="內容版面配置區 4">
-            <a:hlinkClick r:id="rId3"/>
-          </p:cNvPr>
+          <p:cNvPr id="5" name="內容版面配置區 4"/>
           <p:cNvPicPr>
             <a:picLocks noGrp="1" noChangeAspect="1"/>
           </p:cNvPicPr>
@@ -8640,7 +7956,7 @@
           </p:nvPr>
         </p:nvPicPr>
         <p:blipFill>
-          <a:blip r:embed="rId4" cstate="print">
+          <a:blip r:embed="rId2">
             <a:extLst>
               <a:ext uri="{28A0092B-C50C-407E-A947-70E740481C1C}">
                 <a14:useLocalDpi xmlns:a14="http://schemas.microsoft.com/office/drawing/2010/main" val="0"/>
@@ -8653,15 +7969,15 @@
         </p:blipFill>
         <p:spPr>
           <a:xfrm>
-            <a:off x="2123728" y="1844824"/>
-            <a:ext cx="5529929" cy="4148138"/>
+            <a:off x="1763688" y="1340768"/>
+            <a:ext cx="6053328" cy="3657600"/>
           </a:xfrm>
         </p:spPr>
       </p:pic>
     </p:spTree>
     <p:extLst>
       <p:ext uri="{BB962C8B-B14F-4D97-AF65-F5344CB8AC3E}">
-        <p14:creationId xmlns:p14="http://schemas.microsoft.com/office/powerpoint/2010/main" val="261611101"/>
+        <p14:creationId xmlns:p14="http://schemas.microsoft.com/office/powerpoint/2010/main" val="48990562"/>
       </p:ext>
     </p:extLst>
   </p:cSld>
